--- a/CPEE1/01. Week 1/00. Presentation/Week 1.pptx
+++ b/CPEE1/01. Week 1/00. Presentation/Week 1.pptx
@@ -17,39 +17,40 @@
     <p:sldId id="265" r:id="rId11"/>
     <p:sldId id="266" r:id="rId12"/>
     <p:sldId id="267" r:id="rId13"/>
-    <p:sldId id="268" r:id="rId14"/>
-    <p:sldId id="269" r:id="rId15"/>
-    <p:sldId id="270" r:id="rId16"/>
-    <p:sldId id="271" r:id="rId17"/>
-    <p:sldId id="272" r:id="rId18"/>
-    <p:sldId id="273" r:id="rId19"/>
-    <p:sldId id="274" r:id="rId20"/>
-    <p:sldId id="276" r:id="rId21"/>
-    <p:sldId id="279" r:id="rId22"/>
-    <p:sldId id="277" r:id="rId23"/>
-    <p:sldId id="278" r:id="rId24"/>
-    <p:sldId id="280" r:id="rId25"/>
-    <p:sldId id="281" r:id="rId26"/>
-    <p:sldId id="282" r:id="rId27"/>
-    <p:sldId id="283" r:id="rId28"/>
-    <p:sldId id="284" r:id="rId29"/>
-    <p:sldId id="285" r:id="rId30"/>
-    <p:sldId id="286" r:id="rId31"/>
-    <p:sldId id="287" r:id="rId32"/>
-    <p:sldId id="288" r:id="rId33"/>
-    <p:sldId id="289" r:id="rId34"/>
-    <p:sldId id="290" r:id="rId35"/>
-    <p:sldId id="291" r:id="rId36"/>
-    <p:sldId id="292" r:id="rId37"/>
-    <p:sldId id="293" r:id="rId38"/>
-    <p:sldId id="294" r:id="rId39"/>
-    <p:sldId id="295" r:id="rId40"/>
-    <p:sldId id="296" r:id="rId41"/>
-    <p:sldId id="297" r:id="rId42"/>
-    <p:sldId id="301" r:id="rId43"/>
-    <p:sldId id="298" r:id="rId44"/>
-    <p:sldId id="299" r:id="rId45"/>
-    <p:sldId id="300" r:id="rId46"/>
+    <p:sldId id="302" r:id="rId14"/>
+    <p:sldId id="268" r:id="rId15"/>
+    <p:sldId id="269" r:id="rId16"/>
+    <p:sldId id="270" r:id="rId17"/>
+    <p:sldId id="271" r:id="rId18"/>
+    <p:sldId id="272" r:id="rId19"/>
+    <p:sldId id="273" r:id="rId20"/>
+    <p:sldId id="274" r:id="rId21"/>
+    <p:sldId id="276" r:id="rId22"/>
+    <p:sldId id="279" r:id="rId23"/>
+    <p:sldId id="277" r:id="rId24"/>
+    <p:sldId id="278" r:id="rId25"/>
+    <p:sldId id="280" r:id="rId26"/>
+    <p:sldId id="281" r:id="rId27"/>
+    <p:sldId id="282" r:id="rId28"/>
+    <p:sldId id="283" r:id="rId29"/>
+    <p:sldId id="284" r:id="rId30"/>
+    <p:sldId id="285" r:id="rId31"/>
+    <p:sldId id="286" r:id="rId32"/>
+    <p:sldId id="287" r:id="rId33"/>
+    <p:sldId id="288" r:id="rId34"/>
+    <p:sldId id="289" r:id="rId35"/>
+    <p:sldId id="290" r:id="rId36"/>
+    <p:sldId id="291" r:id="rId37"/>
+    <p:sldId id="292" r:id="rId38"/>
+    <p:sldId id="293" r:id="rId39"/>
+    <p:sldId id="294" r:id="rId40"/>
+    <p:sldId id="295" r:id="rId41"/>
+    <p:sldId id="296" r:id="rId42"/>
+    <p:sldId id="297" r:id="rId43"/>
+    <p:sldId id="301" r:id="rId44"/>
+    <p:sldId id="298" r:id="rId45"/>
+    <p:sldId id="299" r:id="rId46"/>
+    <p:sldId id="300" r:id="rId47"/>
   </p:sldIdLst>
   <p:sldSz cx="9144000" cy="6858000" type="screen4x3"/>
   <p:notesSz cx="6858000" cy="9144000"/>
@@ -332,7 +333,7 @@
           <a:p>
             <a:fld id="{713DCFBF-1251-4F71-8BFB-150CFD910DA2}" type="datetimeFigureOut">
               <a:rPr lang="en-US" smtClean="0"/>
-              <a:t>1/23/2018</a:t>
+              <a:t>1/24/2018</a:t>
             </a:fld>
             <a:endParaRPr lang="en-US"/>
           </a:p>
@@ -502,7 +503,7 @@
           <a:p>
             <a:fld id="{713DCFBF-1251-4F71-8BFB-150CFD910DA2}" type="datetimeFigureOut">
               <a:rPr lang="en-US" smtClean="0"/>
-              <a:t>1/23/2018</a:t>
+              <a:t>1/24/2018</a:t>
             </a:fld>
             <a:endParaRPr lang="en-US"/>
           </a:p>
@@ -682,7 +683,7 @@
           <a:p>
             <a:fld id="{713DCFBF-1251-4F71-8BFB-150CFD910DA2}" type="datetimeFigureOut">
               <a:rPr lang="en-US" smtClean="0"/>
-              <a:t>1/23/2018</a:t>
+              <a:t>1/24/2018</a:t>
             </a:fld>
             <a:endParaRPr lang="en-US"/>
           </a:p>
@@ -852,7 +853,7 @@
           <a:p>
             <a:fld id="{713DCFBF-1251-4F71-8BFB-150CFD910DA2}" type="datetimeFigureOut">
               <a:rPr lang="en-US" smtClean="0"/>
-              <a:t>1/23/2018</a:t>
+              <a:t>1/24/2018</a:t>
             </a:fld>
             <a:endParaRPr lang="en-US"/>
           </a:p>
@@ -1098,7 +1099,7 @@
           <a:p>
             <a:fld id="{713DCFBF-1251-4F71-8BFB-150CFD910DA2}" type="datetimeFigureOut">
               <a:rPr lang="en-US" smtClean="0"/>
-              <a:t>1/23/2018</a:t>
+              <a:t>1/24/2018</a:t>
             </a:fld>
             <a:endParaRPr lang="en-US"/>
           </a:p>
@@ -1386,7 +1387,7 @@
           <a:p>
             <a:fld id="{713DCFBF-1251-4F71-8BFB-150CFD910DA2}" type="datetimeFigureOut">
               <a:rPr lang="en-US" smtClean="0"/>
-              <a:t>1/23/2018</a:t>
+              <a:t>1/24/2018</a:t>
             </a:fld>
             <a:endParaRPr lang="en-US"/>
           </a:p>
@@ -1808,7 +1809,7 @@
           <a:p>
             <a:fld id="{713DCFBF-1251-4F71-8BFB-150CFD910DA2}" type="datetimeFigureOut">
               <a:rPr lang="en-US" smtClean="0"/>
-              <a:t>1/23/2018</a:t>
+              <a:t>1/24/2018</a:t>
             </a:fld>
             <a:endParaRPr lang="en-US"/>
           </a:p>
@@ -1926,7 +1927,7 @@
           <a:p>
             <a:fld id="{713DCFBF-1251-4F71-8BFB-150CFD910DA2}" type="datetimeFigureOut">
               <a:rPr lang="en-US" smtClean="0"/>
-              <a:t>1/23/2018</a:t>
+              <a:t>1/24/2018</a:t>
             </a:fld>
             <a:endParaRPr lang="en-US"/>
           </a:p>
@@ -2021,7 +2022,7 @@
           <a:p>
             <a:fld id="{713DCFBF-1251-4F71-8BFB-150CFD910DA2}" type="datetimeFigureOut">
               <a:rPr lang="en-US" smtClean="0"/>
-              <a:t>1/23/2018</a:t>
+              <a:t>1/24/2018</a:t>
             </a:fld>
             <a:endParaRPr lang="en-US"/>
           </a:p>
@@ -2298,7 +2299,7 @@
           <a:p>
             <a:fld id="{713DCFBF-1251-4F71-8BFB-150CFD910DA2}" type="datetimeFigureOut">
               <a:rPr lang="en-US" smtClean="0"/>
-              <a:t>1/23/2018</a:t>
+              <a:t>1/24/2018</a:t>
             </a:fld>
             <a:endParaRPr lang="en-US"/>
           </a:p>
@@ -2551,7 +2552,7 @@
           <a:p>
             <a:fld id="{713DCFBF-1251-4F71-8BFB-150CFD910DA2}" type="datetimeFigureOut">
               <a:rPr lang="en-US" smtClean="0"/>
-              <a:t>1/23/2018</a:t>
+              <a:t>1/24/2018</a:t>
             </a:fld>
             <a:endParaRPr lang="en-US"/>
           </a:p>
@@ -2764,7 +2765,7 @@
           <a:p>
             <a:fld id="{713DCFBF-1251-4F71-8BFB-150CFD910DA2}" type="datetimeFigureOut">
               <a:rPr lang="en-US" smtClean="0"/>
-              <a:t>1/23/2018</a:t>
+              <a:t>1/24/2018</a:t>
             </a:fld>
             <a:endParaRPr lang="en-US"/>
           </a:p>
@@ -3484,49 +3485,51 @@
           <a:chExt cx="0" cy="0"/>
         </a:xfrm>
       </p:grpSpPr>
-      <p:sp>
-        <p:nvSpPr>
-          <p:cNvPr id="4" name="TextBox 3"/>
-          <p:cNvSpPr txBox="1"/>
+      <p:pic>
+        <p:nvPicPr>
+          <p:cNvPr id="2050" name="Picture 2" descr="C:\Users\CIT\Desktop\BncMo1kIIAA0cmH.jpg"/>
+          <p:cNvPicPr>
+            <a:picLocks noChangeAspect="1" noChangeArrowheads="1"/>
+          </p:cNvPicPr>
           <p:nvPr/>
-        </p:nvSpPr>
-        <p:spPr>
+        </p:nvPicPr>
+        <p:blipFill>
+          <a:blip r:embed="rId2">
+            <a:extLst>
+              <a:ext uri="{28A0092B-C50C-407E-A947-70E740481C1C}">
+                <a14:useLocalDpi xmlns:a14="http://schemas.microsoft.com/office/drawing/2010/main" val="0"/>
+              </a:ext>
+            </a:extLst>
+          </a:blip>
+          <a:srcRect/>
+          <a:stretch>
+            <a:fillRect/>
+          </a:stretch>
+        </p:blipFill>
+        <p:spPr bwMode="auto">
           <a:xfrm>
-            <a:off x="762000" y="2438400"/>
-            <a:ext cx="7620000" cy="1862048"/>
+            <a:off x="2370527" y="381000"/>
+            <a:ext cx="4487473" cy="6195023"/>
           </a:xfrm>
           <a:prstGeom prst="rect">
             <a:avLst/>
           </a:prstGeom>
           <a:noFill/>
+          <a:extLst>
+            <a:ext uri="{909E8E84-426E-40DD-AFC4-6F175D3DCCD1}">
+              <a14:hiddenFill xmlns:a14="http://schemas.microsoft.com/office/drawing/2010/main">
+                <a:solidFill>
+                  <a:srgbClr val="FFFFFF"/>
+                </a:solidFill>
+              </a14:hiddenFill>
+            </a:ext>
+          </a:extLst>
         </p:spPr>
-        <p:txBody>
-          <a:bodyPr wrap="square" rtlCol="0">
-            <a:spAutoFit/>
-          </a:bodyPr>
-          <a:lstStyle/>
-          <a:p>
-            <a:pPr algn="ctr"/>
-            <a:r>
-              <a:rPr lang="en-US" sz="11500" dirty="0" smtClean="0">
-                <a:solidFill>
-                  <a:srgbClr val="FFFF00"/>
-                </a:solidFill>
-              </a:rPr>
-              <a:t>DEMO</a:t>
-            </a:r>
-            <a:endParaRPr lang="en-US" sz="4800" dirty="0" smtClean="0">
-              <a:solidFill>
-                <a:srgbClr val="FFFF00"/>
-              </a:solidFill>
-            </a:endParaRPr>
-          </a:p>
-        </p:txBody>
-      </p:sp>
+      </p:pic>
     </p:spTree>
     <p:extLst>
       <p:ext uri="{BB962C8B-B14F-4D97-AF65-F5344CB8AC3E}">
-        <p14:creationId xmlns:p14="http://schemas.microsoft.com/office/powerpoint/2010/main" val="3118617274"/>
+        <p14:creationId xmlns:p14="http://schemas.microsoft.com/office/powerpoint/2010/main" val="1071015918"/>
       </p:ext>
     </p:extLst>
   </p:cSld>
@@ -3568,7 +3571,7 @@
         </p:nvSpPr>
         <p:spPr>
           <a:xfrm>
-            <a:off x="810491" y="2362200"/>
+            <a:off x="762000" y="2438400"/>
             <a:ext cx="7620000" cy="1862048"/>
           </a:xfrm>
           <a:prstGeom prst="rect">
@@ -3586,20 +3589,23 @@
             <a:r>
               <a:rPr lang="en-US" sz="11500" dirty="0" smtClean="0">
                 <a:solidFill>
-                  <a:schemeClr val="accent6">
-                    <a:lumMod val="75000"/>
-                  </a:schemeClr>
-                </a:solidFill>
-              </a:rPr>
-              <a:t>HTML Basics</a:t>
-            </a:r>
+                  <a:srgbClr val="FFFF00"/>
+                </a:solidFill>
+              </a:rPr>
+              <a:t>DEMO</a:t>
+            </a:r>
+            <a:endParaRPr lang="en-US" sz="4800" dirty="0" smtClean="0">
+              <a:solidFill>
+                <a:srgbClr val="FFFF00"/>
+              </a:solidFill>
+            </a:endParaRPr>
           </a:p>
         </p:txBody>
       </p:sp>
     </p:spTree>
     <p:extLst>
       <p:ext uri="{BB962C8B-B14F-4D97-AF65-F5344CB8AC3E}">
-        <p14:creationId xmlns:p14="http://schemas.microsoft.com/office/powerpoint/2010/main" val="26197852"/>
+        <p14:creationId xmlns:p14="http://schemas.microsoft.com/office/powerpoint/2010/main" val="3118617274"/>
       </p:ext>
     </p:extLst>
   </p:cSld>
@@ -3641,8 +3647,8 @@
         </p:nvSpPr>
         <p:spPr>
           <a:xfrm>
-            <a:off x="810491" y="443091"/>
-            <a:ext cx="7620000" cy="6186309"/>
+            <a:off x="810491" y="2362200"/>
+            <a:ext cx="7620000" cy="1862048"/>
           </a:xfrm>
           <a:prstGeom prst="rect">
             <a:avLst/>
@@ -3657,41 +3663,14 @@
           <a:p>
             <a:pPr algn="ctr"/>
             <a:r>
-              <a:rPr lang="en-US" sz="7200" dirty="0" smtClean="0"/>
-              <a:t>History of HTML</a:t>
-            </a:r>
-          </a:p>
-          <a:p>
-            <a:pPr algn="ctr"/>
-            <a:endParaRPr lang="en-US" sz="3600" dirty="0" smtClean="0"/>
-          </a:p>
-          <a:p>
-            <a:pPr algn="ctr"/>
-            <a:r>
-              <a:rPr lang="en-US" sz="4000" dirty="0" smtClean="0"/>
-              <a:t>Created 1989/1990</a:t>
-            </a:r>
-          </a:p>
-          <a:p>
-            <a:pPr algn="ctr"/>
-            <a:endParaRPr lang="en-US" sz="4000" dirty="0" smtClean="0"/>
-          </a:p>
-          <a:p>
-            <a:pPr algn="ctr"/>
-            <a:r>
-              <a:rPr lang="en-US" sz="4000" dirty="0" smtClean="0"/>
-              <a:t>Publishing &amp; Exchanging of Scientific Documents</a:t>
-            </a:r>
-          </a:p>
-          <a:p>
-            <a:pPr algn="ctr"/>
-            <a:endParaRPr lang="en-US" sz="4000" dirty="0"/>
-          </a:p>
-          <a:p>
-            <a:pPr algn="ctr"/>
-            <a:r>
-              <a:rPr lang="en-US" sz="4000" dirty="0" smtClean="0"/>
-              <a:t>Electronic Linking of Documents (Hyperlinks)</a:t>
+              <a:rPr lang="en-US" sz="11500" dirty="0" smtClean="0">
+                <a:solidFill>
+                  <a:schemeClr val="accent6">
+                    <a:lumMod val="75000"/>
+                  </a:schemeClr>
+                </a:solidFill>
+              </a:rPr>
+              <a:t>HTML Basics</a:t>
             </a:r>
           </a:p>
         </p:txBody>
@@ -3699,7 +3678,7 @@
     </p:spTree>
     <p:extLst>
       <p:ext uri="{BB962C8B-B14F-4D97-AF65-F5344CB8AC3E}">
-        <p14:creationId xmlns:p14="http://schemas.microsoft.com/office/powerpoint/2010/main" val="4130463986"/>
+        <p14:creationId xmlns:p14="http://schemas.microsoft.com/office/powerpoint/2010/main" val="26197852"/>
       </p:ext>
     </p:extLst>
   </p:cSld>
@@ -3741,8 +3720,8 @@
         </p:nvSpPr>
         <p:spPr>
           <a:xfrm>
-            <a:off x="810491" y="1862078"/>
-            <a:ext cx="7620000" cy="2862322"/>
+            <a:off x="810491" y="443091"/>
+            <a:ext cx="7620000" cy="6186309"/>
           </a:xfrm>
           <a:prstGeom prst="rect">
             <a:avLst/>
@@ -3758,66 +3737,40 @@
             <a:pPr algn="ctr"/>
             <a:r>
               <a:rPr lang="en-US" sz="7200" dirty="0" smtClean="0"/>
-              <a:t>The General Rule</a:t>
-            </a:r>
-          </a:p>
-          <a:p>
-            <a:pPr algn="ctr"/>
-            <a:endParaRPr lang="en-US" sz="7200" dirty="0" smtClean="0"/>
-          </a:p>
-          <a:p>
-            <a:pPr algn="ctr"/>
-            <a:r>
-              <a:rPr lang="en-US" sz="3600" dirty="0" smtClean="0">
-                <a:solidFill>
-                  <a:srgbClr val="00B0F0"/>
-                </a:solidFill>
-              </a:rPr>
-              <a:t>&lt;</a:t>
-            </a:r>
-            <a:r>
-              <a:rPr lang="en-US" sz="3600" dirty="0" err="1" smtClean="0">
-                <a:solidFill>
-                  <a:srgbClr val="00B0F0"/>
-                </a:solidFill>
-              </a:rPr>
-              <a:t>tagName</a:t>
-            </a:r>
-            <a:r>
-              <a:rPr lang="en-US" sz="3600" dirty="0" smtClean="0">
-                <a:solidFill>
-                  <a:srgbClr val="00B0F0"/>
-                </a:solidFill>
-              </a:rPr>
-              <a:t>&gt; </a:t>
-            </a:r>
-            <a:r>
-              <a:rPr lang="en-US" sz="3600" dirty="0" smtClean="0"/>
-              <a:t>Some Content </a:t>
-            </a:r>
-            <a:r>
-              <a:rPr lang="en-US" sz="3600" dirty="0" smtClean="0">
-                <a:solidFill>
-                  <a:srgbClr val="00B0F0"/>
-                </a:solidFill>
-              </a:rPr>
-              <a:t>&lt;/</a:t>
-            </a:r>
-            <a:r>
-              <a:rPr lang="en-US" sz="3600" dirty="0" err="1" smtClean="0">
-                <a:solidFill>
-                  <a:srgbClr val="00B0F0"/>
-                </a:solidFill>
-              </a:rPr>
-              <a:t>tagName</a:t>
-            </a:r>
-            <a:r>
-              <a:rPr lang="en-US" sz="3600" dirty="0" smtClean="0">
-                <a:solidFill>
-                  <a:srgbClr val="00B0F0"/>
-                </a:solidFill>
-              </a:rPr>
-              <a:t>&gt;</a:t>
+              <a:t>History of HTML</a:t>
+            </a:r>
+          </a:p>
+          <a:p>
+            <a:pPr algn="ctr"/>
+            <a:endParaRPr lang="en-US" sz="3600" dirty="0" smtClean="0"/>
+          </a:p>
+          <a:p>
+            <a:pPr algn="ctr"/>
+            <a:r>
+              <a:rPr lang="en-US" sz="4000" dirty="0" smtClean="0"/>
+              <a:t>Created 1989/1990</a:t>
+            </a:r>
+          </a:p>
+          <a:p>
+            <a:pPr algn="ctr"/>
+            <a:endParaRPr lang="en-US" sz="4000" dirty="0" smtClean="0"/>
+          </a:p>
+          <a:p>
+            <a:pPr algn="ctr"/>
+            <a:r>
+              <a:rPr lang="en-US" sz="4000" dirty="0" smtClean="0"/>
+              <a:t>Publishing &amp; Exchanging of Scientific Documents</a:t>
+            </a:r>
+          </a:p>
+          <a:p>
+            <a:pPr algn="ctr"/>
+            <a:endParaRPr lang="en-US" sz="4000" dirty="0"/>
+          </a:p>
+          <a:p>
+            <a:pPr algn="ctr"/>
+            <a:r>
+              <a:rPr lang="en-US" sz="4000" dirty="0" smtClean="0"/>
+              <a:t>Electronic Linking of Documents (Hyperlinks)</a:t>
             </a:r>
           </a:p>
         </p:txBody>
@@ -3825,7 +3778,7 @@
     </p:spTree>
     <p:extLst>
       <p:ext uri="{BB962C8B-B14F-4D97-AF65-F5344CB8AC3E}">
-        <p14:creationId xmlns:p14="http://schemas.microsoft.com/office/powerpoint/2010/main" val="419797885"/>
+        <p14:creationId xmlns:p14="http://schemas.microsoft.com/office/powerpoint/2010/main" val="4130463986"/>
       </p:ext>
     </p:extLst>
   </p:cSld>
@@ -3867,8 +3820,8 @@
         </p:nvSpPr>
         <p:spPr>
           <a:xfrm>
-            <a:off x="762000" y="2405152"/>
-            <a:ext cx="7620000" cy="1862048"/>
+            <a:off x="810491" y="1862078"/>
+            <a:ext cx="7620000" cy="2862322"/>
           </a:xfrm>
           <a:prstGeom prst="rect">
             <a:avLst/>
@@ -3883,25 +3836,75 @@
           <a:p>
             <a:pPr algn="ctr"/>
             <a:r>
-              <a:rPr lang="en-US" sz="11500" dirty="0" smtClean="0">
-                <a:solidFill>
-                  <a:srgbClr val="FFFF00"/>
-                </a:solidFill>
-              </a:rPr>
-              <a:t>DEMO</a:t>
-            </a:r>
-            <a:endParaRPr lang="en-US" sz="4800" dirty="0" smtClean="0">
-              <a:solidFill>
-                <a:srgbClr val="FFFF00"/>
-              </a:solidFill>
-            </a:endParaRPr>
+              <a:rPr lang="en-US" sz="7200" dirty="0" smtClean="0"/>
+              <a:t>The General Rule</a:t>
+            </a:r>
+          </a:p>
+          <a:p>
+            <a:pPr algn="ctr"/>
+            <a:endParaRPr lang="en-US" sz="7200" dirty="0" smtClean="0"/>
+          </a:p>
+          <a:p>
+            <a:pPr algn="ctr"/>
+            <a:r>
+              <a:rPr lang="en-US" sz="3600" dirty="0" smtClean="0">
+                <a:solidFill>
+                  <a:srgbClr val="00B0F0"/>
+                </a:solidFill>
+              </a:rPr>
+              <a:t>&lt;</a:t>
+            </a:r>
+            <a:r>
+              <a:rPr lang="en-US" sz="3600" dirty="0" err="1" smtClean="0">
+                <a:solidFill>
+                  <a:srgbClr val="00B0F0"/>
+                </a:solidFill>
+              </a:rPr>
+              <a:t>tagName</a:t>
+            </a:r>
+            <a:r>
+              <a:rPr lang="en-US" sz="3600" dirty="0" smtClean="0">
+                <a:solidFill>
+                  <a:srgbClr val="00B0F0"/>
+                </a:solidFill>
+              </a:rPr>
+              <a:t>&gt; </a:t>
+            </a:r>
+            <a:r>
+              <a:rPr lang="en-US" sz="3600" dirty="0" smtClean="0"/>
+              <a:t>Some Content </a:t>
+            </a:r>
+            <a:r>
+              <a:rPr lang="en-US" sz="3600" dirty="0" smtClean="0">
+                <a:solidFill>
+                  <a:srgbClr val="00B0F0"/>
+                </a:solidFill>
+              </a:rPr>
+              <a:t>&lt;/</a:t>
+            </a:r>
+            <a:r>
+              <a:rPr lang="en-US" sz="3600" dirty="0" err="1" smtClean="0">
+                <a:solidFill>
+                  <a:srgbClr val="00B0F0"/>
+                </a:solidFill>
+              </a:rPr>
+              <a:t>tagName</a:t>
+            </a:r>
+            <a:r>
+              <a:rPr lang="en-US" sz="3600" dirty="0" smtClean="0">
+                <a:solidFill>
+                  <a:srgbClr val="00B0F0"/>
+                </a:solidFill>
+              </a:rPr>
+              <a:t>&gt;</a:t>
+            </a:r>
           </a:p>
         </p:txBody>
       </p:sp>
     </p:spTree>
     <p:extLst>
       <p:ext uri="{BB962C8B-B14F-4D97-AF65-F5344CB8AC3E}">
-        <p14:creationId xmlns:p14="http://schemas.microsoft.com/office/powerpoint/2010/main" val="2737834622"/>
+        <p14:creationId xmlns:p14="http://schemas.microsoft.com/office/powerpoint/2010/main" val="419797885"/>
       </p:ext>
     </p:extLst>
   </p:cSld>
@@ -3943,8 +3946,8 @@
         </p:nvSpPr>
         <p:spPr>
           <a:xfrm>
-            <a:off x="990600" y="1853148"/>
-            <a:ext cx="7620000" cy="3785652"/>
+            <a:off x="762000" y="2405152"/>
+            <a:ext cx="7620000" cy="1862048"/>
           </a:xfrm>
           <a:prstGeom prst="rect">
             <a:avLst/>
@@ -3959,23 +3962,25 @@
           <a:p>
             <a:pPr algn="ctr"/>
             <a:r>
-              <a:rPr lang="en-US" sz="8000" dirty="0" smtClean="0"/>
-              <a:t>HTML Boiler Plate &amp;</a:t>
-            </a:r>
-          </a:p>
-          <a:p>
-            <a:pPr algn="ctr"/>
-            <a:r>
-              <a:rPr lang="en-US" sz="8000" dirty="0" smtClean="0"/>
-              <a:t>Comments</a:t>
-            </a:r>
+              <a:rPr lang="en-US" sz="11500" dirty="0" smtClean="0">
+                <a:solidFill>
+                  <a:srgbClr val="FFFF00"/>
+                </a:solidFill>
+              </a:rPr>
+              <a:t>DEMO</a:t>
+            </a:r>
+            <a:endParaRPr lang="en-US" sz="4800" dirty="0" smtClean="0">
+              <a:solidFill>
+                <a:srgbClr val="FFFF00"/>
+              </a:solidFill>
+            </a:endParaRPr>
           </a:p>
         </p:txBody>
       </p:sp>
     </p:spTree>
     <p:extLst>
       <p:ext uri="{BB962C8B-B14F-4D97-AF65-F5344CB8AC3E}">
-        <p14:creationId xmlns:p14="http://schemas.microsoft.com/office/powerpoint/2010/main" val="2042300374"/>
+        <p14:creationId xmlns:p14="http://schemas.microsoft.com/office/powerpoint/2010/main" val="2737834622"/>
       </p:ext>
     </p:extLst>
   </p:cSld>
@@ -4017,8 +4022,8 @@
         </p:nvSpPr>
         <p:spPr>
           <a:xfrm>
-            <a:off x="762000" y="2438400"/>
-            <a:ext cx="7620000" cy="1862048"/>
+            <a:off x="990600" y="1853148"/>
+            <a:ext cx="7620000" cy="3785652"/>
           </a:xfrm>
           <a:prstGeom prst="rect">
             <a:avLst/>
@@ -4033,25 +4038,23 @@
           <a:p>
             <a:pPr algn="ctr"/>
             <a:r>
-              <a:rPr lang="en-US" sz="11500" dirty="0" smtClean="0">
-                <a:solidFill>
-                  <a:srgbClr val="FFFF00"/>
-                </a:solidFill>
-              </a:rPr>
-              <a:t>DEMO</a:t>
-            </a:r>
-            <a:endParaRPr lang="en-US" sz="4800" dirty="0" smtClean="0">
-              <a:solidFill>
-                <a:srgbClr val="FFFF00"/>
-              </a:solidFill>
-            </a:endParaRPr>
+              <a:rPr lang="en-US" sz="8000" dirty="0" smtClean="0"/>
+              <a:t>HTML Boiler Plate &amp;</a:t>
+            </a:r>
+          </a:p>
+          <a:p>
+            <a:pPr algn="ctr"/>
+            <a:r>
+              <a:rPr lang="en-US" sz="8000" dirty="0" smtClean="0"/>
+              <a:t>Comments</a:t>
+            </a:r>
           </a:p>
         </p:txBody>
       </p:sp>
     </p:spTree>
     <p:extLst>
       <p:ext uri="{BB962C8B-B14F-4D97-AF65-F5344CB8AC3E}">
-        <p14:creationId xmlns:p14="http://schemas.microsoft.com/office/powerpoint/2010/main" val="3726119379"/>
+        <p14:creationId xmlns:p14="http://schemas.microsoft.com/office/powerpoint/2010/main" val="2042300374"/>
       </p:ext>
     </p:extLst>
   </p:cSld>
@@ -4222,8 +4225,8 @@
         </p:nvSpPr>
         <p:spPr>
           <a:xfrm>
-            <a:off x="304800" y="2176552"/>
-            <a:ext cx="8534400" cy="1862048"/>
+            <a:off x="762000" y="2438400"/>
+            <a:ext cx="7620000" cy="1862048"/>
           </a:xfrm>
           <a:prstGeom prst="rect">
             <a:avLst/>
@@ -4238,16 +4241,25 @@
           <a:p>
             <a:pPr algn="ctr"/>
             <a:r>
-              <a:rPr lang="en-US" sz="11500" dirty="0" smtClean="0"/>
-              <a:t>Basic Tags</a:t>
-            </a:r>
+              <a:rPr lang="en-US" sz="11500" dirty="0" smtClean="0">
+                <a:solidFill>
+                  <a:srgbClr val="FFFF00"/>
+                </a:solidFill>
+              </a:rPr>
+              <a:t>DEMO</a:t>
+            </a:r>
+            <a:endParaRPr lang="en-US" sz="4800" dirty="0" smtClean="0">
+              <a:solidFill>
+                <a:srgbClr val="FFFF00"/>
+              </a:solidFill>
+            </a:endParaRPr>
           </a:p>
         </p:txBody>
       </p:sp>
     </p:spTree>
     <p:extLst>
       <p:ext uri="{BB962C8B-B14F-4D97-AF65-F5344CB8AC3E}">
-        <p14:creationId xmlns:p14="http://schemas.microsoft.com/office/powerpoint/2010/main" val="3100502668"/>
+        <p14:creationId xmlns:p14="http://schemas.microsoft.com/office/powerpoint/2010/main" val="3726119379"/>
       </p:ext>
     </p:extLst>
   </p:cSld>
@@ -4289,8 +4301,8 @@
         </p:nvSpPr>
         <p:spPr>
           <a:xfrm>
-            <a:off x="457200" y="2225457"/>
-            <a:ext cx="8534400" cy="3108543"/>
+            <a:off x="304800" y="2176552"/>
+            <a:ext cx="8534400" cy="1862048"/>
           </a:xfrm>
           <a:prstGeom prst="rect">
             <a:avLst/>
@@ -4305,31 +4317,16 @@
           <a:p>
             <a:pPr algn="ctr"/>
             <a:r>
-              <a:rPr lang="en-US" sz="8800" dirty="0" smtClean="0"/>
-              <a:t>Headings</a:t>
-            </a:r>
-          </a:p>
-          <a:p>
-            <a:pPr algn="ctr"/>
-            <a:r>
-              <a:rPr lang="en-US" sz="5400" dirty="0" smtClean="0">
-                <a:solidFill>
-                  <a:srgbClr val="00B0F0"/>
-                </a:solidFill>
-              </a:rPr>
-              <a:t>&lt;h1&gt; to &lt;h6&gt;</a:t>
-            </a:r>
-          </a:p>
-          <a:p>
-            <a:pPr algn="ctr"/>
-            <a:endParaRPr lang="en-US" sz="5400" dirty="0" smtClean="0"/>
+              <a:rPr lang="en-US" sz="11500" dirty="0" smtClean="0"/>
+              <a:t>Basic Tags</a:t>
+            </a:r>
           </a:p>
         </p:txBody>
       </p:sp>
     </p:spTree>
     <p:extLst>
       <p:ext uri="{BB962C8B-B14F-4D97-AF65-F5344CB8AC3E}">
-        <p14:creationId xmlns:p14="http://schemas.microsoft.com/office/powerpoint/2010/main" val="2029231785"/>
+        <p14:creationId xmlns:p14="http://schemas.microsoft.com/office/powerpoint/2010/main" val="3100502668"/>
       </p:ext>
     </p:extLst>
   </p:cSld>
@@ -4371,8 +4368,8 @@
         </p:nvSpPr>
         <p:spPr>
           <a:xfrm>
-            <a:off x="297873" y="1981199"/>
-            <a:ext cx="8534400" cy="2277547"/>
+            <a:off x="457200" y="2225457"/>
+            <a:ext cx="8534400" cy="3108543"/>
           </a:xfrm>
           <a:prstGeom prst="rect">
             <a:avLst/>
@@ -4388,7 +4385,7 @@
             <a:pPr algn="ctr"/>
             <a:r>
               <a:rPr lang="en-US" sz="8800" dirty="0" smtClean="0"/>
-              <a:t>Paragraphs</a:t>
+              <a:t>Headings</a:t>
             </a:r>
           </a:p>
           <a:p>
@@ -4399,15 +4396,19 @@
                   <a:srgbClr val="00B0F0"/>
                 </a:solidFill>
               </a:rPr>
-              <a:t>&lt;p&gt; … &lt;/p&gt;</a:t>
-            </a:r>
+              <a:t>&lt;h1&gt; to &lt;h6&gt;</a:t>
+            </a:r>
+          </a:p>
+          <a:p>
+            <a:pPr algn="ctr"/>
+            <a:endParaRPr lang="en-US" sz="5400" dirty="0" smtClean="0"/>
           </a:p>
         </p:txBody>
       </p:sp>
     </p:spTree>
     <p:extLst>
       <p:ext uri="{BB962C8B-B14F-4D97-AF65-F5344CB8AC3E}">
-        <p14:creationId xmlns:p14="http://schemas.microsoft.com/office/powerpoint/2010/main" val="808953596"/>
+        <p14:creationId xmlns:p14="http://schemas.microsoft.com/office/powerpoint/2010/main" val="2029231785"/>
       </p:ext>
     </p:extLst>
   </p:cSld>
@@ -4449,8 +4450,8 @@
         </p:nvSpPr>
         <p:spPr>
           <a:xfrm>
-            <a:off x="297873" y="1768257"/>
-            <a:ext cx="8534400" cy="3108543"/>
+            <a:off x="297873" y="1981199"/>
+            <a:ext cx="8534400" cy="2277547"/>
           </a:xfrm>
           <a:prstGeom prst="rect">
             <a:avLst/>
@@ -4466,7 +4467,7 @@
             <a:pPr algn="ctr"/>
             <a:r>
               <a:rPr lang="en-US" sz="8800" dirty="0" smtClean="0"/>
-              <a:t>Emphasis</a:t>
+              <a:t>Paragraphs</a:t>
             </a:r>
           </a:p>
           <a:p>
@@ -4477,50 +4478,7 @@
                   <a:srgbClr val="00B0F0"/>
                 </a:solidFill>
               </a:rPr>
-              <a:t>&lt;strong&gt; … &lt;/strong&gt;</a:t>
-            </a:r>
-          </a:p>
-          <a:p>
-            <a:pPr algn="ctr"/>
-            <a:r>
-              <a:rPr lang="en-US" sz="5400" dirty="0" smtClean="0">
-                <a:solidFill>
-                  <a:srgbClr val="00B0F0"/>
-                </a:solidFill>
-              </a:rPr>
-              <a:t>&lt;</a:t>
-            </a:r>
-            <a:r>
-              <a:rPr lang="en-US" sz="5400" dirty="0" err="1" smtClean="0">
-                <a:solidFill>
-                  <a:srgbClr val="00B0F0"/>
-                </a:solidFill>
-              </a:rPr>
-              <a:t>em</a:t>
-            </a:r>
-            <a:r>
-              <a:rPr lang="en-US" sz="5400" dirty="0" smtClean="0">
-                <a:solidFill>
-                  <a:srgbClr val="00B0F0"/>
-                </a:solidFill>
-              </a:rPr>
-              <a:t>&gt; … &lt;/</a:t>
-            </a:r>
-            <a:r>
-              <a:rPr lang="en-US" sz="5400" dirty="0" err="1" smtClean="0">
-                <a:solidFill>
-                  <a:srgbClr val="00B0F0"/>
-                </a:solidFill>
-              </a:rPr>
-              <a:t>em</a:t>
-            </a:r>
-            <a:r>
-              <a:rPr lang="en-US" sz="5400" dirty="0" smtClean="0">
-                <a:solidFill>
-                  <a:srgbClr val="00B0F0"/>
-                </a:solidFill>
-              </a:rPr>
-              <a:t>&gt;</a:t>
+              <a:t>&lt;p&gt; … &lt;/p&gt;</a:t>
             </a:r>
           </a:p>
         </p:txBody>
@@ -4528,7 +4486,7 @@
     </p:spTree>
     <p:extLst>
       <p:ext uri="{BB962C8B-B14F-4D97-AF65-F5344CB8AC3E}">
-        <p14:creationId xmlns:p14="http://schemas.microsoft.com/office/powerpoint/2010/main" val="3863064051"/>
+        <p14:creationId xmlns:p14="http://schemas.microsoft.com/office/powerpoint/2010/main" val="808953596"/>
       </p:ext>
     </p:extLst>
   </p:cSld>
@@ -4570,8 +4528,8 @@
         </p:nvSpPr>
         <p:spPr>
           <a:xfrm>
-            <a:off x="762000" y="2438400"/>
-            <a:ext cx="7620000" cy="1862048"/>
+            <a:off x="297873" y="1768257"/>
+            <a:ext cx="8534400" cy="3108543"/>
           </a:xfrm>
           <a:prstGeom prst="rect">
             <a:avLst/>
@@ -4586,25 +4544,70 @@
           <a:p>
             <a:pPr algn="ctr"/>
             <a:r>
-              <a:rPr lang="en-US" sz="11500" dirty="0" smtClean="0">
-                <a:solidFill>
-                  <a:srgbClr val="FFFF00"/>
-                </a:solidFill>
-              </a:rPr>
-              <a:t>DEMO</a:t>
-            </a:r>
-            <a:endParaRPr lang="en-US" sz="4800" dirty="0" smtClean="0">
-              <a:solidFill>
-                <a:srgbClr val="FFFF00"/>
-              </a:solidFill>
-            </a:endParaRPr>
+              <a:rPr lang="en-US" sz="8800" dirty="0" smtClean="0"/>
+              <a:t>Emphasis</a:t>
+            </a:r>
+          </a:p>
+          <a:p>
+            <a:pPr algn="ctr"/>
+            <a:r>
+              <a:rPr lang="en-US" sz="5400" dirty="0" smtClean="0">
+                <a:solidFill>
+                  <a:srgbClr val="00B0F0"/>
+                </a:solidFill>
+              </a:rPr>
+              <a:t>&lt;strong&gt; … &lt;/strong&gt;</a:t>
+            </a:r>
+          </a:p>
+          <a:p>
+            <a:pPr algn="ctr"/>
+            <a:r>
+              <a:rPr lang="en-US" sz="5400" dirty="0" smtClean="0">
+                <a:solidFill>
+                  <a:srgbClr val="00B0F0"/>
+                </a:solidFill>
+              </a:rPr>
+              <a:t>&lt;</a:t>
+            </a:r>
+            <a:r>
+              <a:rPr lang="en-US" sz="5400" dirty="0" err="1" smtClean="0">
+                <a:solidFill>
+                  <a:srgbClr val="00B0F0"/>
+                </a:solidFill>
+              </a:rPr>
+              <a:t>em</a:t>
+            </a:r>
+            <a:r>
+              <a:rPr lang="en-US" sz="5400" dirty="0" smtClean="0">
+                <a:solidFill>
+                  <a:srgbClr val="00B0F0"/>
+                </a:solidFill>
+              </a:rPr>
+              <a:t>&gt; … &lt;/</a:t>
+            </a:r>
+            <a:r>
+              <a:rPr lang="en-US" sz="5400" dirty="0" err="1" smtClean="0">
+                <a:solidFill>
+                  <a:srgbClr val="00B0F0"/>
+                </a:solidFill>
+              </a:rPr>
+              <a:t>em</a:t>
+            </a:r>
+            <a:r>
+              <a:rPr lang="en-US" sz="5400" dirty="0" smtClean="0">
+                <a:solidFill>
+                  <a:srgbClr val="00B0F0"/>
+                </a:solidFill>
+              </a:rPr>
+              <a:t>&gt;</a:t>
+            </a:r>
           </a:p>
         </p:txBody>
       </p:sp>
     </p:spTree>
     <p:extLst>
       <p:ext uri="{BB962C8B-B14F-4D97-AF65-F5344CB8AC3E}">
-        <p14:creationId xmlns:p14="http://schemas.microsoft.com/office/powerpoint/2010/main" val="2674332601"/>
+        <p14:creationId xmlns:p14="http://schemas.microsoft.com/office/powerpoint/2010/main" val="3863064051"/>
       </p:ext>
     </p:extLst>
   </p:cSld>
@@ -4646,8 +4649,8 @@
         </p:nvSpPr>
         <p:spPr>
           <a:xfrm>
-            <a:off x="297873" y="1676400"/>
-            <a:ext cx="8534400" cy="3108543"/>
+            <a:off x="762000" y="2438400"/>
+            <a:ext cx="7620000" cy="1862048"/>
           </a:xfrm>
           <a:prstGeom prst="rect">
             <a:avLst/>
@@ -4662,106 +4665,16 @@
           <a:p>
             <a:pPr algn="ctr"/>
             <a:r>
-              <a:rPr lang="en-US" sz="8800" dirty="0" smtClean="0"/>
-              <a:t>Lists</a:t>
-            </a:r>
-          </a:p>
-          <a:p>
-            <a:pPr algn="ctr"/>
-            <a:r>
-              <a:rPr lang="en-US" sz="5400" dirty="0" smtClean="0">
-                <a:solidFill>
-                  <a:srgbClr val="00B0F0"/>
-                </a:solidFill>
-              </a:rPr>
-              <a:t>&lt;</a:t>
-            </a:r>
-            <a:r>
-              <a:rPr lang="en-US" sz="5400" dirty="0" err="1" smtClean="0">
-                <a:solidFill>
-                  <a:srgbClr val="00B0F0"/>
-                </a:solidFill>
-              </a:rPr>
-              <a:t>ol</a:t>
-            </a:r>
-            <a:r>
-              <a:rPr lang="en-US" sz="5400" dirty="0" smtClean="0">
-                <a:solidFill>
-                  <a:srgbClr val="00B0F0"/>
-                </a:solidFill>
-              </a:rPr>
-              <a:t>&gt; &lt;li&gt; … &lt;/li&gt; &lt;/</a:t>
-            </a:r>
-            <a:r>
-              <a:rPr lang="en-US" sz="5400" dirty="0" err="1" smtClean="0">
-                <a:solidFill>
-                  <a:srgbClr val="00B0F0"/>
-                </a:solidFill>
-              </a:rPr>
-              <a:t>ol</a:t>
-            </a:r>
-            <a:r>
-              <a:rPr lang="en-US" sz="5400" dirty="0" smtClean="0">
-                <a:solidFill>
-                  <a:srgbClr val="00B0F0"/>
-                </a:solidFill>
-              </a:rPr>
-              <a:t>&gt;</a:t>
-            </a:r>
-          </a:p>
-          <a:p>
-            <a:pPr algn="ctr"/>
-            <a:r>
-              <a:rPr lang="en-US" sz="5400" dirty="0" smtClean="0">
-                <a:solidFill>
-                  <a:srgbClr val="00B0F0"/>
-                </a:solidFill>
-              </a:rPr>
-              <a:t>&lt;</a:t>
-            </a:r>
-            <a:r>
-              <a:rPr lang="en-US" sz="5400" dirty="0" err="1" smtClean="0">
-                <a:solidFill>
-                  <a:srgbClr val="00B0F0"/>
-                </a:solidFill>
-              </a:rPr>
-              <a:t>ul</a:t>
-            </a:r>
-            <a:r>
-              <a:rPr lang="en-US" sz="5400" dirty="0">
-                <a:solidFill>
-                  <a:srgbClr val="00B0F0"/>
-                </a:solidFill>
-              </a:rPr>
-              <a:t>&gt; &lt;li&gt; … &lt;/li&gt; </a:t>
-            </a:r>
-            <a:r>
-              <a:rPr lang="en-US" sz="5400" dirty="0" smtClean="0">
-                <a:solidFill>
-                  <a:srgbClr val="00B0F0"/>
-                </a:solidFill>
-              </a:rPr>
-              <a:t>&lt;/</a:t>
-            </a:r>
-            <a:r>
-              <a:rPr lang="en-US" sz="5400" dirty="0" err="1" smtClean="0">
-                <a:solidFill>
-                  <a:srgbClr val="00B0F0"/>
-                </a:solidFill>
-              </a:rPr>
-              <a:t>ul</a:t>
-            </a:r>
-            <a:r>
-              <a:rPr lang="en-US" sz="5400" dirty="0" smtClean="0">
-                <a:solidFill>
-                  <a:srgbClr val="00B0F0"/>
-                </a:solidFill>
-              </a:rPr>
-              <a:t>&gt;</a:t>
-            </a:r>
-            <a:endParaRPr lang="en-US" sz="5400" dirty="0">
+              <a:rPr lang="en-US" sz="11500" dirty="0" smtClean="0">
+                <a:solidFill>
+                  <a:srgbClr val="FFFF00"/>
+                </a:solidFill>
+              </a:rPr>
+              <a:t>DEMO</a:t>
+            </a:r>
+            <a:endParaRPr lang="en-US" sz="4800" dirty="0" smtClean="0">
               <a:solidFill>
-                <a:srgbClr val="00B0F0"/>
+                <a:srgbClr val="FFFF00"/>
               </a:solidFill>
             </a:endParaRPr>
           </a:p>
@@ -4770,7 +4683,7 @@
     </p:spTree>
     <p:extLst>
       <p:ext uri="{BB962C8B-B14F-4D97-AF65-F5344CB8AC3E}">
-        <p14:creationId xmlns:p14="http://schemas.microsoft.com/office/powerpoint/2010/main" val="678381483"/>
+        <p14:creationId xmlns:p14="http://schemas.microsoft.com/office/powerpoint/2010/main" val="2674332601"/>
       </p:ext>
     </p:extLst>
   </p:cSld>
@@ -4812,8 +4725,8 @@
         </p:nvSpPr>
         <p:spPr>
           <a:xfrm>
-            <a:off x="762000" y="2438400"/>
-            <a:ext cx="7620000" cy="1862048"/>
+            <a:off x="297873" y="1676400"/>
+            <a:ext cx="8534400" cy="3108543"/>
           </a:xfrm>
           <a:prstGeom prst="rect">
             <a:avLst/>
@@ -4828,16 +4741,106 @@
           <a:p>
             <a:pPr algn="ctr"/>
             <a:r>
-              <a:rPr lang="en-US" sz="11500" dirty="0" smtClean="0">
-                <a:solidFill>
-                  <a:srgbClr val="FFFF00"/>
-                </a:solidFill>
-              </a:rPr>
-              <a:t>DEMO</a:t>
-            </a:r>
-            <a:endParaRPr lang="en-US" sz="4800" dirty="0" smtClean="0">
+              <a:rPr lang="en-US" sz="8800" dirty="0" smtClean="0"/>
+              <a:t>Lists</a:t>
+            </a:r>
+          </a:p>
+          <a:p>
+            <a:pPr algn="ctr"/>
+            <a:r>
+              <a:rPr lang="en-US" sz="5400" dirty="0" smtClean="0">
+                <a:solidFill>
+                  <a:srgbClr val="00B0F0"/>
+                </a:solidFill>
+              </a:rPr>
+              <a:t>&lt;</a:t>
+            </a:r>
+            <a:r>
+              <a:rPr lang="en-US" sz="5400" dirty="0" err="1" smtClean="0">
+                <a:solidFill>
+                  <a:srgbClr val="00B0F0"/>
+                </a:solidFill>
+              </a:rPr>
+              <a:t>ol</a:t>
+            </a:r>
+            <a:r>
+              <a:rPr lang="en-US" sz="5400" dirty="0" smtClean="0">
+                <a:solidFill>
+                  <a:srgbClr val="00B0F0"/>
+                </a:solidFill>
+              </a:rPr>
+              <a:t>&gt; &lt;li&gt; … &lt;/li&gt; &lt;/</a:t>
+            </a:r>
+            <a:r>
+              <a:rPr lang="en-US" sz="5400" dirty="0" err="1" smtClean="0">
+                <a:solidFill>
+                  <a:srgbClr val="00B0F0"/>
+                </a:solidFill>
+              </a:rPr>
+              <a:t>ol</a:t>
+            </a:r>
+            <a:r>
+              <a:rPr lang="en-US" sz="5400" dirty="0" smtClean="0">
+                <a:solidFill>
+                  <a:srgbClr val="00B0F0"/>
+                </a:solidFill>
+              </a:rPr>
+              <a:t>&gt;</a:t>
+            </a:r>
+          </a:p>
+          <a:p>
+            <a:pPr algn="ctr"/>
+            <a:r>
+              <a:rPr lang="en-US" sz="5400" dirty="0" smtClean="0">
+                <a:solidFill>
+                  <a:srgbClr val="00B0F0"/>
+                </a:solidFill>
+              </a:rPr>
+              <a:t>&lt;</a:t>
+            </a:r>
+            <a:r>
+              <a:rPr lang="en-US" sz="5400" dirty="0" err="1" smtClean="0">
+                <a:solidFill>
+                  <a:srgbClr val="00B0F0"/>
+                </a:solidFill>
+              </a:rPr>
+              <a:t>ul</a:t>
+            </a:r>
+            <a:r>
+              <a:rPr lang="en-US" sz="5400" dirty="0">
+                <a:solidFill>
+                  <a:srgbClr val="00B0F0"/>
+                </a:solidFill>
+              </a:rPr>
+              <a:t>&gt; &lt;li&gt; … &lt;/li&gt; </a:t>
+            </a:r>
+            <a:r>
+              <a:rPr lang="en-US" sz="5400" dirty="0" smtClean="0">
+                <a:solidFill>
+                  <a:srgbClr val="00B0F0"/>
+                </a:solidFill>
+              </a:rPr>
+              <a:t>&lt;/</a:t>
+            </a:r>
+            <a:r>
+              <a:rPr lang="en-US" sz="5400" dirty="0" err="1" smtClean="0">
+                <a:solidFill>
+                  <a:srgbClr val="00B0F0"/>
+                </a:solidFill>
+              </a:rPr>
+              <a:t>ul</a:t>
+            </a:r>
+            <a:r>
+              <a:rPr lang="en-US" sz="5400" dirty="0" smtClean="0">
+                <a:solidFill>
+                  <a:srgbClr val="00B0F0"/>
+                </a:solidFill>
+              </a:rPr>
+              <a:t>&gt;</a:t>
+            </a:r>
+            <a:endParaRPr lang="en-US" sz="5400" dirty="0">
               <a:solidFill>
-                <a:srgbClr val="FFFF00"/>
+                <a:srgbClr val="00B0F0"/>
               </a:solidFill>
             </a:endParaRPr>
           </a:p>
@@ -4846,7 +4849,7 @@
     </p:spTree>
     <p:extLst>
       <p:ext uri="{BB962C8B-B14F-4D97-AF65-F5344CB8AC3E}">
-        <p14:creationId xmlns:p14="http://schemas.microsoft.com/office/powerpoint/2010/main" val="228198611"/>
+        <p14:creationId xmlns:p14="http://schemas.microsoft.com/office/powerpoint/2010/main" val="678381483"/>
       </p:ext>
     </p:extLst>
   </p:cSld>
@@ -4888,8 +4891,8 @@
         </p:nvSpPr>
         <p:spPr>
           <a:xfrm>
-            <a:off x="762000" y="1523999"/>
-            <a:ext cx="7620000" cy="3631763"/>
+            <a:off x="762000" y="2438400"/>
+            <a:ext cx="7620000" cy="1862048"/>
           </a:xfrm>
           <a:prstGeom prst="rect">
             <a:avLst/>
@@ -4906,25 +4909,14 @@
             <a:r>
               <a:rPr lang="en-US" sz="11500" dirty="0" smtClean="0">
                 <a:solidFill>
-                  <a:srgbClr val="00B0F0"/>
-                </a:solidFill>
-              </a:rPr>
-              <a:t>HTML List</a:t>
-            </a:r>
-          </a:p>
-          <a:p>
-            <a:pPr algn="ctr"/>
-            <a:r>
-              <a:rPr lang="en-US" sz="11500" dirty="0" smtClean="0">
-                <a:solidFill>
-                  <a:srgbClr val="00B0F0"/>
-                </a:solidFill>
-              </a:rPr>
-              <a:t>Activity</a:t>
+                  <a:srgbClr val="FFFF00"/>
+                </a:solidFill>
+              </a:rPr>
+              <a:t>DEMO</a:t>
             </a:r>
             <a:endParaRPr lang="en-US" sz="4800" dirty="0" smtClean="0">
               <a:solidFill>
-                <a:srgbClr val="00B0F0"/>
+                <a:srgbClr val="FFFF00"/>
               </a:solidFill>
             </a:endParaRPr>
           </a:p>
@@ -4933,7 +4925,7 @@
     </p:spTree>
     <p:extLst>
       <p:ext uri="{BB962C8B-B14F-4D97-AF65-F5344CB8AC3E}">
-        <p14:creationId xmlns:p14="http://schemas.microsoft.com/office/powerpoint/2010/main" val="3025769575"/>
+        <p14:creationId xmlns:p14="http://schemas.microsoft.com/office/powerpoint/2010/main" val="228198611"/>
       </p:ext>
     </p:extLst>
   </p:cSld>
@@ -4975,8 +4967,8 @@
         </p:nvSpPr>
         <p:spPr>
           <a:xfrm>
-            <a:off x="297873" y="1768257"/>
-            <a:ext cx="8534400" cy="3108543"/>
+            <a:off x="762000" y="1523999"/>
+            <a:ext cx="7620000" cy="3631763"/>
           </a:xfrm>
           <a:prstGeom prst="rect">
             <a:avLst/>
@@ -4991,42 +4983,36 @@
           <a:p>
             <a:pPr algn="ctr"/>
             <a:r>
-              <a:rPr lang="en-US" sz="8800" dirty="0" err="1" smtClean="0"/>
-              <a:t>Divs</a:t>
-            </a:r>
-            <a:r>
-              <a:rPr lang="en-US" sz="8800" dirty="0" smtClean="0"/>
-              <a:t> &amp; Spans</a:t>
-            </a:r>
-          </a:p>
-          <a:p>
-            <a:pPr algn="ctr"/>
-            <a:r>
-              <a:rPr lang="en-US" sz="5400" dirty="0" smtClean="0">
+              <a:rPr lang="en-US" sz="11500" dirty="0" smtClean="0">
                 <a:solidFill>
                   <a:srgbClr val="00B0F0"/>
                 </a:solidFill>
               </a:rPr>
-              <a:t>&lt;div&gt; … &lt;/div&gt;</a:t>
-            </a:r>
-          </a:p>
-          <a:p>
-            <a:pPr algn="ctr"/>
-            <a:r>
-              <a:rPr lang="en-US" sz="5400" dirty="0" smtClean="0">
+              <a:t>HTML List</a:t>
+            </a:r>
+          </a:p>
+          <a:p>
+            <a:pPr algn="ctr"/>
+            <a:r>
+              <a:rPr lang="en-US" sz="11500" dirty="0" smtClean="0">
                 <a:solidFill>
                   <a:srgbClr val="00B0F0"/>
                 </a:solidFill>
               </a:rPr>
-              <a:t>&lt;span&gt; … &lt;/span&gt;</a:t>
-            </a:r>
+              <a:t>Activity</a:t>
+            </a:r>
+            <a:endParaRPr lang="en-US" sz="4800" dirty="0" smtClean="0">
+              <a:solidFill>
+                <a:srgbClr val="00B0F0"/>
+              </a:solidFill>
+            </a:endParaRPr>
           </a:p>
         </p:txBody>
       </p:sp>
     </p:spTree>
     <p:extLst>
       <p:ext uri="{BB962C8B-B14F-4D97-AF65-F5344CB8AC3E}">
-        <p14:creationId xmlns:p14="http://schemas.microsoft.com/office/powerpoint/2010/main" val="1517830719"/>
+        <p14:creationId xmlns:p14="http://schemas.microsoft.com/office/powerpoint/2010/main" val="3025769575"/>
       </p:ext>
     </p:extLst>
   </p:cSld>
@@ -5068,8 +5054,8 @@
         </p:nvSpPr>
         <p:spPr>
           <a:xfrm>
-            <a:off x="762000" y="2438400"/>
-            <a:ext cx="7620000" cy="1862048"/>
+            <a:off x="297873" y="1768257"/>
+            <a:ext cx="8534400" cy="3108543"/>
           </a:xfrm>
           <a:prstGeom prst="rect">
             <a:avLst/>
@@ -5084,25 +5070,42 @@
           <a:p>
             <a:pPr algn="ctr"/>
             <a:r>
-              <a:rPr lang="en-US" sz="11500" dirty="0" smtClean="0">
-                <a:solidFill>
-                  <a:srgbClr val="FFFF00"/>
-                </a:solidFill>
-              </a:rPr>
-              <a:t>DEMO</a:t>
-            </a:r>
-            <a:endParaRPr lang="en-US" sz="4800" dirty="0" smtClean="0">
-              <a:solidFill>
-                <a:srgbClr val="FFFF00"/>
-              </a:solidFill>
-            </a:endParaRPr>
+              <a:rPr lang="en-US" sz="8800" dirty="0" err="1" smtClean="0"/>
+              <a:t>Divs</a:t>
+            </a:r>
+            <a:r>
+              <a:rPr lang="en-US" sz="8800" dirty="0" smtClean="0"/>
+              <a:t> &amp; Spans</a:t>
+            </a:r>
+          </a:p>
+          <a:p>
+            <a:pPr algn="ctr"/>
+            <a:r>
+              <a:rPr lang="en-US" sz="5400" dirty="0" smtClean="0">
+                <a:solidFill>
+                  <a:srgbClr val="00B0F0"/>
+                </a:solidFill>
+              </a:rPr>
+              <a:t>&lt;div&gt; … &lt;/div&gt;</a:t>
+            </a:r>
+          </a:p>
+          <a:p>
+            <a:pPr algn="ctr"/>
+            <a:r>
+              <a:rPr lang="en-US" sz="5400" dirty="0" smtClean="0">
+                <a:solidFill>
+                  <a:srgbClr val="00B0F0"/>
+                </a:solidFill>
+              </a:rPr>
+              <a:t>&lt;span&gt; … &lt;/span&gt;</a:t>
+            </a:r>
           </a:p>
         </p:txBody>
       </p:sp>
     </p:spTree>
     <p:extLst>
       <p:ext uri="{BB962C8B-B14F-4D97-AF65-F5344CB8AC3E}">
-        <p14:creationId xmlns:p14="http://schemas.microsoft.com/office/powerpoint/2010/main" val="3899826089"/>
+        <p14:creationId xmlns:p14="http://schemas.microsoft.com/office/powerpoint/2010/main" val="1517830719"/>
       </p:ext>
     </p:extLst>
   </p:cSld>
@@ -5219,8 +5222,8 @@
         </p:nvSpPr>
         <p:spPr>
           <a:xfrm>
-            <a:off x="297873" y="381000"/>
-            <a:ext cx="8534400" cy="6001643"/>
+            <a:off x="762000" y="2438400"/>
+            <a:ext cx="7620000" cy="1862048"/>
           </a:xfrm>
           <a:prstGeom prst="rect">
             <a:avLst/>
@@ -5235,347 +5238,25 @@
           <a:p>
             <a:pPr algn="ctr"/>
             <a:r>
-              <a:rPr lang="en-US" sz="8800" dirty="0" smtClean="0"/>
-              <a:t>HTML Attributes</a:t>
-            </a:r>
-          </a:p>
-          <a:p>
-            <a:pPr algn="ctr"/>
-            <a:r>
-              <a:rPr lang="en-US" sz="4400" dirty="0" smtClean="0"/>
-              <a:t>&lt;</a:t>
-            </a:r>
-            <a:r>
-              <a:rPr lang="en-US" sz="4400" dirty="0" smtClean="0">
-                <a:solidFill>
-                  <a:srgbClr val="00B0F0"/>
-                </a:solidFill>
-              </a:rPr>
-              <a:t>tag</a:t>
-            </a:r>
-            <a:r>
-              <a:rPr lang="en-US" sz="4400" dirty="0" smtClean="0"/>
-              <a:t> </a:t>
-            </a:r>
-            <a:r>
-              <a:rPr lang="en-US" sz="4400" dirty="0" smtClean="0">
+              <a:rPr lang="en-US" sz="11500" dirty="0" smtClean="0">
                 <a:solidFill>
                   <a:srgbClr val="FFFF00"/>
                 </a:solidFill>
               </a:rPr>
-              <a:t>name</a:t>
-            </a:r>
-            <a:r>
-              <a:rPr lang="en-US" sz="4400" dirty="0" smtClean="0"/>
-              <a:t>=“</a:t>
-            </a:r>
-            <a:r>
-              <a:rPr lang="en-US" sz="4400" dirty="0" smtClean="0">
-                <a:solidFill>
-                  <a:srgbClr val="92D050"/>
-                </a:solidFill>
-              </a:rPr>
-              <a:t>value</a:t>
-            </a:r>
-            <a:r>
-              <a:rPr lang="en-US" sz="4400" dirty="0" smtClean="0"/>
-              <a:t>”&gt;&lt;/</a:t>
-            </a:r>
-            <a:r>
-              <a:rPr lang="en-US" sz="4400" dirty="0" smtClean="0">
-                <a:solidFill>
-                  <a:srgbClr val="00B0F0"/>
-                </a:solidFill>
-              </a:rPr>
-              <a:t>tag</a:t>
-            </a:r>
-            <a:r>
-              <a:rPr lang="en-US" sz="4400" dirty="0" smtClean="0"/>
-              <a:t>&gt;</a:t>
-            </a:r>
-          </a:p>
-          <a:p>
-            <a:pPr algn="ctr"/>
-            <a:endParaRPr lang="en-US" sz="3600" dirty="0"/>
-          </a:p>
-          <a:p>
-            <a:pPr algn="ctr"/>
-            <a:r>
-              <a:rPr lang="en-US" sz="3600" dirty="0" smtClean="0"/>
-              <a:t>&lt;</a:t>
-            </a:r>
-            <a:r>
-              <a:rPr lang="en-US" sz="3600" dirty="0" err="1" smtClean="0">
-                <a:solidFill>
-                  <a:srgbClr val="00B0F0"/>
-                </a:solidFill>
-              </a:rPr>
-              <a:t>img</a:t>
-            </a:r>
-            <a:r>
-              <a:rPr lang="en-US" sz="3600" dirty="0" smtClean="0"/>
-              <a:t> </a:t>
-            </a:r>
-            <a:r>
-              <a:rPr lang="en-US" sz="3600" dirty="0" err="1" smtClean="0">
-                <a:solidFill>
-                  <a:srgbClr val="FFFF00"/>
-                </a:solidFill>
-              </a:rPr>
-              <a:t>src</a:t>
-            </a:r>
-            <a:r>
-              <a:rPr lang="en-US" sz="3600" dirty="0" smtClean="0"/>
-              <a:t>=“</a:t>
-            </a:r>
-            <a:r>
-              <a:rPr lang="en-US" sz="3600" dirty="0" smtClean="0">
-                <a:solidFill>
-                  <a:srgbClr val="92D050"/>
-                </a:solidFill>
-              </a:rPr>
-              <a:t>image.png</a:t>
-            </a:r>
-            <a:r>
-              <a:rPr lang="en-US" sz="3600" dirty="0" smtClean="0"/>
-              <a:t>”&gt;</a:t>
-            </a:r>
-          </a:p>
-          <a:p>
-            <a:pPr algn="ctr"/>
-            <a:endParaRPr lang="en-US" sz="2800" dirty="0" smtClean="0"/>
-          </a:p>
-          <a:p>
-            <a:pPr algn="ctr"/>
-            <a:r>
-              <a:rPr lang="en-US" sz="3600" dirty="0" smtClean="0"/>
-              <a:t>&lt;</a:t>
-            </a:r>
-            <a:r>
-              <a:rPr lang="en-US" sz="3600" dirty="0" smtClean="0">
-                <a:solidFill>
-                  <a:srgbClr val="00B0F0"/>
-                </a:solidFill>
-              </a:rPr>
-              <a:t>p</a:t>
-            </a:r>
-            <a:r>
-              <a:rPr lang="en-US" sz="3600" dirty="0" smtClean="0"/>
-              <a:t> </a:t>
-            </a:r>
-            <a:r>
-              <a:rPr lang="en-US" sz="3600" dirty="0" smtClean="0">
-                <a:solidFill>
-                  <a:srgbClr val="FFFF00"/>
-                </a:solidFill>
-              </a:rPr>
-              <a:t>class</a:t>
-            </a:r>
-            <a:r>
-              <a:rPr lang="en-US" sz="3600" dirty="0" smtClean="0"/>
-              <a:t>=“</a:t>
-            </a:r>
-            <a:r>
-              <a:rPr lang="en-US" sz="3600" dirty="0" smtClean="0">
-                <a:solidFill>
-                  <a:srgbClr val="92D050"/>
-                </a:solidFill>
-              </a:rPr>
-              <a:t>selected</a:t>
-            </a:r>
-            <a:r>
-              <a:rPr lang="en-US" sz="3600" dirty="0" smtClean="0"/>
-              <a:t>”&gt; woof </a:t>
-            </a:r>
-            <a:r>
-              <a:rPr lang="en-US" sz="3600" dirty="0" err="1" smtClean="0"/>
-              <a:t>woof</a:t>
-            </a:r>
-            <a:r>
-              <a:rPr lang="en-US" sz="3600" dirty="0" smtClean="0"/>
-              <a:t> &lt;/</a:t>
-            </a:r>
-            <a:r>
-              <a:rPr lang="en-US" sz="3600" dirty="0" smtClean="0">
-                <a:solidFill>
-                  <a:srgbClr val="00B0F0"/>
-                </a:solidFill>
-              </a:rPr>
-              <a:t>p</a:t>
-            </a:r>
-            <a:r>
-              <a:rPr lang="en-US" sz="3600" dirty="0" smtClean="0"/>
-              <a:t>&gt;</a:t>
-            </a:r>
-          </a:p>
-          <a:p>
-            <a:pPr algn="ctr"/>
-            <a:endParaRPr lang="en-US" sz="2800" dirty="0" smtClean="0"/>
-          </a:p>
-          <a:p>
-            <a:pPr algn="ctr"/>
-            <a:r>
-              <a:rPr lang="en-US" sz="2800" dirty="0" smtClean="0"/>
-              <a:t>&lt;</a:t>
-            </a:r>
-            <a:r>
-              <a:rPr lang="en-US" sz="2800" dirty="0" smtClean="0">
-                <a:solidFill>
-                  <a:srgbClr val="00B0F0"/>
-                </a:solidFill>
-              </a:rPr>
-              <a:t>a</a:t>
-            </a:r>
-            <a:r>
-              <a:rPr lang="en-US" sz="2800" dirty="0" smtClean="0"/>
-              <a:t> </a:t>
-            </a:r>
-            <a:r>
-              <a:rPr lang="en-US" sz="2800" dirty="0" err="1" smtClean="0">
-                <a:solidFill>
-                  <a:srgbClr val="FFFF00"/>
-                </a:solidFill>
-              </a:rPr>
-              <a:t>href</a:t>
-            </a:r>
-            <a:r>
-              <a:rPr lang="en-US" sz="2800" dirty="0" smtClean="0"/>
-              <a:t>=“</a:t>
-            </a:r>
-            <a:r>
-              <a:rPr lang="en-US" sz="2800" dirty="0" smtClean="0">
-                <a:solidFill>
-                  <a:srgbClr val="92D050"/>
-                </a:solidFill>
-              </a:rPr>
-              <a:t>www.google.com</a:t>
-            </a:r>
-            <a:r>
-              <a:rPr lang="en-US" sz="2800" dirty="0" smtClean="0"/>
-              <a:t>”&gt; Click to go to Google &lt;/</a:t>
-            </a:r>
-            <a:r>
-              <a:rPr lang="en-US" sz="2800" dirty="0" smtClean="0">
-                <a:solidFill>
-                  <a:srgbClr val="00B0F0"/>
-                </a:solidFill>
-              </a:rPr>
-              <a:t>a</a:t>
-            </a:r>
-            <a:r>
-              <a:rPr lang="en-US" sz="2800" dirty="0" smtClean="0"/>
-              <a:t>&gt;</a:t>
-            </a:r>
-          </a:p>
-          <a:p>
-            <a:pPr algn="ctr"/>
-            <a:endParaRPr lang="en-US" sz="2800" dirty="0"/>
-          </a:p>
-          <a:p>
-            <a:pPr algn="ctr"/>
-            <a:r>
-              <a:rPr lang="en-US" sz="2800" dirty="0" smtClean="0"/>
-              <a:t>&lt;</a:t>
-            </a:r>
-            <a:r>
-              <a:rPr lang="en-US" sz="2800" dirty="0" smtClean="0">
-                <a:solidFill>
-                  <a:srgbClr val="00B0F0"/>
-                </a:solidFill>
-              </a:rPr>
-              <a:t>link</a:t>
-            </a:r>
-            <a:r>
-              <a:rPr lang="en-US" sz="2800" dirty="0" smtClean="0"/>
-              <a:t> </a:t>
-            </a:r>
-            <a:r>
-              <a:rPr lang="en-US" sz="2800" dirty="0" err="1" smtClean="0">
-                <a:solidFill>
-                  <a:srgbClr val="FFFF00"/>
-                </a:solidFill>
-              </a:rPr>
-              <a:t>rel</a:t>
-            </a:r>
-            <a:r>
-              <a:rPr lang="en-US" sz="2800" dirty="0" smtClean="0"/>
-              <a:t>=“</a:t>
-            </a:r>
-            <a:r>
-              <a:rPr lang="en-US" sz="2800" dirty="0" err="1" smtClean="0">
-                <a:solidFill>
-                  <a:srgbClr val="92D050"/>
-                </a:solidFill>
-              </a:rPr>
-              <a:t>stylesheet</a:t>
-            </a:r>
-            <a:r>
-              <a:rPr lang="en-US" sz="2800" dirty="0" smtClean="0"/>
-              <a:t>” </a:t>
-            </a:r>
-            <a:r>
-              <a:rPr lang="en-US" sz="2800" dirty="0" smtClean="0">
-                <a:solidFill>
-                  <a:srgbClr val="FFFF00"/>
-                </a:solidFill>
-              </a:rPr>
-              <a:t>type</a:t>
-            </a:r>
-            <a:r>
-              <a:rPr lang="en-US" sz="2800" dirty="0" smtClean="0"/>
-              <a:t>=“</a:t>
-            </a:r>
-            <a:r>
-              <a:rPr lang="en-US" sz="2800" dirty="0" smtClean="0">
-                <a:solidFill>
-                  <a:srgbClr val="92D050"/>
-                </a:solidFill>
-              </a:rPr>
-              <a:t>text/</a:t>
-            </a:r>
-            <a:r>
-              <a:rPr lang="en-US" sz="2800" dirty="0" err="1" smtClean="0">
-                <a:solidFill>
-                  <a:srgbClr val="92D050"/>
-                </a:solidFill>
-              </a:rPr>
-              <a:t>css</a:t>
-            </a:r>
-            <a:r>
-              <a:rPr lang="en-US" sz="2800" dirty="0" smtClean="0"/>
-              <a:t>” </a:t>
-            </a:r>
-            <a:r>
-              <a:rPr lang="en-US" sz="2800" dirty="0" err="1" smtClean="0">
-                <a:solidFill>
-                  <a:srgbClr val="FFFF00"/>
-                </a:solidFill>
-              </a:rPr>
-              <a:t>href</a:t>
-            </a:r>
-            <a:r>
-              <a:rPr lang="en-US" sz="2800" dirty="0" smtClean="0"/>
-              <a:t>=“</a:t>
-            </a:r>
-            <a:r>
-              <a:rPr lang="en-US" sz="2800" dirty="0" smtClean="0">
-                <a:solidFill>
-                  <a:srgbClr val="92D050"/>
-                </a:solidFill>
-              </a:rPr>
-              <a:t>styles.css</a:t>
-            </a:r>
-            <a:r>
-              <a:rPr lang="en-US" sz="2800" dirty="0" smtClean="0"/>
-              <a:t>”&gt;</a:t>
-            </a:r>
+              <a:t>DEMO</a:t>
+            </a:r>
+            <a:endParaRPr lang="en-US" sz="4800" dirty="0" smtClean="0">
+              <a:solidFill>
+                <a:srgbClr val="FFFF00"/>
+              </a:solidFill>
+            </a:endParaRPr>
           </a:p>
         </p:txBody>
       </p:sp>
     </p:spTree>
     <p:extLst>
       <p:ext uri="{BB962C8B-B14F-4D97-AF65-F5344CB8AC3E}">
-        <p14:creationId xmlns:p14="http://schemas.microsoft.com/office/powerpoint/2010/main" val="2116424312"/>
+        <p14:creationId xmlns:p14="http://schemas.microsoft.com/office/powerpoint/2010/main" val="3899826089"/>
       </p:ext>
     </p:extLst>
   </p:cSld>
@@ -5617,8 +5298,8 @@
         </p:nvSpPr>
         <p:spPr>
           <a:xfrm>
-            <a:off x="297873" y="1676400"/>
-            <a:ext cx="8534400" cy="3385542"/>
+            <a:off x="297873" y="381000"/>
+            <a:ext cx="8534400" cy="6001643"/>
           </a:xfrm>
           <a:prstGeom prst="rect">
             <a:avLst/>
@@ -5634,33 +5315,88 @@
             <a:pPr algn="ctr"/>
             <a:r>
               <a:rPr lang="en-US" sz="8800" dirty="0" smtClean="0"/>
-              <a:t>Images</a:t>
-            </a:r>
-          </a:p>
-          <a:p>
-            <a:pPr algn="ctr"/>
-            <a:endParaRPr lang="en-US" sz="3600" dirty="0" smtClean="0"/>
-          </a:p>
-          <a:p>
-            <a:pPr algn="ctr"/>
-            <a:r>
-              <a:rPr lang="en-US" sz="5400" dirty="0" smtClean="0"/>
+              <a:t>HTML Attributes</a:t>
+            </a:r>
+          </a:p>
+          <a:p>
+            <a:pPr algn="ctr"/>
+            <a:r>
+              <a:rPr lang="en-US" sz="4400" dirty="0" smtClean="0"/>
               <a:t>&lt;</a:t>
             </a:r>
             <a:r>
-              <a:rPr lang="en-US" sz="5400" dirty="0" err="1" smtClean="0">
+              <a:rPr lang="en-US" sz="4400" dirty="0" smtClean="0">
                 <a:solidFill>
                   <a:srgbClr val="00B0F0"/>
                 </a:solidFill>
               </a:rPr>
+              <a:t>tag</a:t>
+            </a:r>
+            <a:r>
+              <a:rPr lang="en-US" sz="4400" dirty="0" smtClean="0"/>
+              <a:t> </a:t>
+            </a:r>
+            <a:r>
+              <a:rPr lang="en-US" sz="4400" dirty="0" smtClean="0">
+                <a:solidFill>
+                  <a:srgbClr val="FFFF00"/>
+                </a:solidFill>
+              </a:rPr>
+              <a:t>name</a:t>
+            </a:r>
+            <a:r>
+              <a:rPr lang="en-US" sz="4400" dirty="0" smtClean="0"/>
+              <a:t>=“</a:t>
+            </a:r>
+            <a:r>
+              <a:rPr lang="en-US" sz="4400" dirty="0" smtClean="0">
+                <a:solidFill>
+                  <a:srgbClr val="92D050"/>
+                </a:solidFill>
+              </a:rPr>
+              <a:t>value</a:t>
+            </a:r>
+            <a:r>
+              <a:rPr lang="en-US" sz="4400" dirty="0" smtClean="0"/>
+              <a:t>”&gt;&lt;/</a:t>
+            </a:r>
+            <a:r>
+              <a:rPr lang="en-US" sz="4400" dirty="0" smtClean="0">
+                <a:solidFill>
+                  <a:srgbClr val="00B0F0"/>
+                </a:solidFill>
+              </a:rPr>
+              <a:t>tag</a:t>
+            </a:r>
+            <a:r>
+              <a:rPr lang="en-US" sz="4400" dirty="0" smtClean="0"/>
+              <a:t>&gt;</a:t>
+            </a:r>
+          </a:p>
+          <a:p>
+            <a:pPr algn="ctr"/>
+            <a:endParaRPr lang="en-US" sz="3600" dirty="0"/>
+          </a:p>
+          <a:p>
+            <a:pPr algn="ctr"/>
+            <a:r>
+              <a:rPr lang="en-US" sz="3600" dirty="0" smtClean="0"/>
+              <a:t>&lt;</a:t>
+            </a:r>
+            <a:r>
+              <a:rPr lang="en-US" sz="3600" dirty="0" err="1" smtClean="0">
+                <a:solidFill>
+                  <a:srgbClr val="00B0F0"/>
+                </a:solidFill>
+              </a:rPr>
               <a:t>img</a:t>
             </a:r>
             <a:r>
-              <a:rPr lang="en-US" sz="5400" dirty="0" smtClean="0"/>
+              <a:rPr lang="en-US" sz="3600" dirty="0" smtClean="0"/>
               <a:t> </a:t>
             </a:r>
             <a:r>
-              <a:rPr lang="en-US" sz="5400" dirty="0" err="1" smtClean="0">
+              <a:rPr lang="en-US" sz="3600" dirty="0" err="1" smtClean="0">
                 <a:solidFill>
                   <a:srgbClr val="FFFF00"/>
                 </a:solidFill>
@@ -5668,32 +5404,257 @@
               <a:t>src</a:t>
             </a:r>
             <a:r>
-              <a:rPr lang="en-US" sz="5400" dirty="0" smtClean="0"/>
+              <a:rPr lang="en-US" sz="3600" dirty="0" smtClean="0"/>
               <a:t>=“</a:t>
             </a:r>
             <a:r>
-              <a:rPr lang="en-US" sz="5400" dirty="0" smtClean="0">
+              <a:rPr lang="en-US" sz="3600" dirty="0" smtClean="0">
                 <a:solidFill>
                   <a:srgbClr val="92D050"/>
                 </a:solidFill>
               </a:rPr>
-              <a:t>image_url.png</a:t>
-            </a:r>
-            <a:r>
-              <a:rPr lang="en-US" sz="5400" dirty="0" smtClean="0"/>
+              <a:t>image.png</a:t>
+            </a:r>
+            <a:r>
+              <a:rPr lang="en-US" sz="3600" dirty="0" smtClean="0"/>
               <a:t>”&gt;</a:t>
             </a:r>
           </a:p>
           <a:p>
             <a:pPr algn="ctr"/>
             <a:endParaRPr lang="en-US" sz="2800" dirty="0" smtClean="0"/>
+          </a:p>
+          <a:p>
+            <a:pPr algn="ctr"/>
+            <a:r>
+              <a:rPr lang="en-US" sz="3600" dirty="0" smtClean="0"/>
+              <a:t>&lt;</a:t>
+            </a:r>
+            <a:r>
+              <a:rPr lang="en-US" sz="3600" dirty="0" smtClean="0">
+                <a:solidFill>
+                  <a:srgbClr val="00B0F0"/>
+                </a:solidFill>
+              </a:rPr>
+              <a:t>p</a:t>
+            </a:r>
+            <a:r>
+              <a:rPr lang="en-US" sz="3600" dirty="0" smtClean="0"/>
+              <a:t> </a:t>
+            </a:r>
+            <a:r>
+              <a:rPr lang="en-US" sz="3600" dirty="0" smtClean="0">
+                <a:solidFill>
+                  <a:srgbClr val="FFFF00"/>
+                </a:solidFill>
+              </a:rPr>
+              <a:t>class</a:t>
+            </a:r>
+            <a:r>
+              <a:rPr lang="en-US" sz="3600" dirty="0" smtClean="0"/>
+              <a:t>=“</a:t>
+            </a:r>
+            <a:r>
+              <a:rPr lang="en-US" sz="3600" dirty="0" smtClean="0">
+                <a:solidFill>
+                  <a:srgbClr val="92D050"/>
+                </a:solidFill>
+              </a:rPr>
+              <a:t>selected</a:t>
+            </a:r>
+            <a:r>
+              <a:rPr lang="en-US" sz="3600" dirty="0" smtClean="0"/>
+              <a:t>”&gt; woof </a:t>
+            </a:r>
+            <a:r>
+              <a:rPr lang="en-US" sz="3600" dirty="0" err="1" smtClean="0"/>
+              <a:t>woof</a:t>
+            </a:r>
+            <a:r>
+              <a:rPr lang="en-US" sz="3600" dirty="0" smtClean="0"/>
+              <a:t> &lt;/</a:t>
+            </a:r>
+            <a:r>
+              <a:rPr lang="en-US" sz="3600" dirty="0" smtClean="0">
+                <a:solidFill>
+                  <a:srgbClr val="00B0F0"/>
+                </a:solidFill>
+              </a:rPr>
+              <a:t>p</a:t>
+            </a:r>
+            <a:r>
+              <a:rPr lang="en-US" sz="3600" dirty="0" smtClean="0"/>
+              <a:t>&gt;</a:t>
+            </a:r>
+          </a:p>
+          <a:p>
+            <a:pPr algn="ctr"/>
+            <a:endParaRPr lang="en-US" sz="2800" dirty="0" smtClean="0"/>
+          </a:p>
+          <a:p>
+            <a:pPr algn="ctr"/>
+            <a:r>
+              <a:rPr lang="en-US" sz="2800" dirty="0" smtClean="0"/>
+              <a:t>&lt;</a:t>
+            </a:r>
+            <a:r>
+              <a:rPr lang="en-US" sz="2800" dirty="0" smtClean="0">
+                <a:solidFill>
+                  <a:srgbClr val="00B0F0"/>
+                </a:solidFill>
+              </a:rPr>
+              <a:t>a</a:t>
+            </a:r>
+            <a:r>
+              <a:rPr lang="en-US" sz="2800" dirty="0" smtClean="0"/>
+              <a:t> </a:t>
+            </a:r>
+            <a:r>
+              <a:rPr lang="en-US" sz="2800" dirty="0" err="1" smtClean="0">
+                <a:solidFill>
+                  <a:srgbClr val="FFFF00"/>
+                </a:solidFill>
+              </a:rPr>
+              <a:t>href</a:t>
+            </a:r>
+            <a:r>
+              <a:rPr lang="en-US" sz="2800" dirty="0" smtClean="0"/>
+              <a:t>=“</a:t>
+            </a:r>
+            <a:r>
+              <a:rPr lang="en-US" sz="2800" dirty="0" smtClean="0">
+                <a:solidFill>
+                  <a:srgbClr val="92D050"/>
+                </a:solidFill>
+              </a:rPr>
+              <a:t>www.google.com</a:t>
+            </a:r>
+            <a:r>
+              <a:rPr lang="en-US" sz="2800" dirty="0" smtClean="0"/>
+              <a:t>”&gt; Click to go to Google &lt;/</a:t>
+            </a:r>
+            <a:r>
+              <a:rPr lang="en-US" sz="2800" dirty="0" smtClean="0">
+                <a:solidFill>
+                  <a:srgbClr val="00B0F0"/>
+                </a:solidFill>
+              </a:rPr>
+              <a:t>a</a:t>
+            </a:r>
+            <a:r>
+              <a:rPr lang="en-US" sz="2800" dirty="0" smtClean="0"/>
+              <a:t>&gt;</a:t>
+            </a:r>
+          </a:p>
+          <a:p>
+            <a:pPr algn="ctr"/>
+            <a:endParaRPr lang="en-US" sz="2800" dirty="0"/>
+          </a:p>
+          <a:p>
+            <a:pPr algn="ctr"/>
+            <a:r>
+              <a:rPr lang="en-US" sz="2800" dirty="0" smtClean="0"/>
+              <a:t>&lt;</a:t>
+            </a:r>
+            <a:r>
+              <a:rPr lang="en-US" sz="2800" dirty="0" smtClean="0">
+                <a:solidFill>
+                  <a:srgbClr val="00B0F0"/>
+                </a:solidFill>
+              </a:rPr>
+              <a:t>link</a:t>
+            </a:r>
+            <a:r>
+              <a:rPr lang="en-US" sz="2800" dirty="0" smtClean="0"/>
+              <a:t> </a:t>
+            </a:r>
+            <a:r>
+              <a:rPr lang="en-US" sz="2800" dirty="0" err="1" smtClean="0">
+                <a:solidFill>
+                  <a:srgbClr val="FFFF00"/>
+                </a:solidFill>
+              </a:rPr>
+              <a:t>rel</a:t>
+            </a:r>
+            <a:r>
+              <a:rPr lang="en-US" sz="2800" dirty="0" smtClean="0"/>
+              <a:t>=“</a:t>
+            </a:r>
+            <a:r>
+              <a:rPr lang="en-US" sz="2800" dirty="0" err="1" smtClean="0">
+                <a:solidFill>
+                  <a:srgbClr val="92D050"/>
+                </a:solidFill>
+              </a:rPr>
+              <a:t>stylesheet</a:t>
+            </a:r>
+            <a:r>
+              <a:rPr lang="en-US" sz="2800" dirty="0" smtClean="0"/>
+              <a:t>” </a:t>
+            </a:r>
+            <a:r>
+              <a:rPr lang="en-US" sz="2800" dirty="0" smtClean="0">
+                <a:solidFill>
+                  <a:srgbClr val="FFFF00"/>
+                </a:solidFill>
+              </a:rPr>
+              <a:t>type</a:t>
+            </a:r>
+            <a:r>
+              <a:rPr lang="en-US" sz="2800" dirty="0" smtClean="0"/>
+              <a:t>=“</a:t>
+            </a:r>
+            <a:r>
+              <a:rPr lang="en-US" sz="2800" dirty="0" smtClean="0">
+                <a:solidFill>
+                  <a:srgbClr val="92D050"/>
+                </a:solidFill>
+              </a:rPr>
+              <a:t>text/</a:t>
+            </a:r>
+            <a:r>
+              <a:rPr lang="en-US" sz="2800" dirty="0" err="1" smtClean="0">
+                <a:solidFill>
+                  <a:srgbClr val="92D050"/>
+                </a:solidFill>
+              </a:rPr>
+              <a:t>css</a:t>
+            </a:r>
+            <a:r>
+              <a:rPr lang="en-US" sz="2800" dirty="0" smtClean="0"/>
+              <a:t>” </a:t>
+            </a:r>
+            <a:r>
+              <a:rPr lang="en-US" sz="2800" dirty="0" err="1" smtClean="0">
+                <a:solidFill>
+                  <a:srgbClr val="FFFF00"/>
+                </a:solidFill>
+              </a:rPr>
+              <a:t>href</a:t>
+            </a:r>
+            <a:r>
+              <a:rPr lang="en-US" sz="2800" dirty="0" smtClean="0"/>
+              <a:t>=“</a:t>
+            </a:r>
+            <a:r>
+              <a:rPr lang="en-US" sz="2800" dirty="0" smtClean="0">
+                <a:solidFill>
+                  <a:srgbClr val="92D050"/>
+                </a:solidFill>
+              </a:rPr>
+              <a:t>styles.css</a:t>
+            </a:r>
+            <a:r>
+              <a:rPr lang="en-US" sz="2800" dirty="0" smtClean="0"/>
+              <a:t>”&gt;</a:t>
+            </a:r>
           </a:p>
         </p:txBody>
       </p:sp>
     </p:spTree>
     <p:extLst>
       <p:ext uri="{BB962C8B-B14F-4D97-AF65-F5344CB8AC3E}">
-        <p14:creationId xmlns:p14="http://schemas.microsoft.com/office/powerpoint/2010/main" val="2842735257"/>
+        <p14:creationId xmlns:p14="http://schemas.microsoft.com/office/powerpoint/2010/main" val="2116424312"/>
       </p:ext>
     </p:extLst>
   </p:cSld>
@@ -5752,7 +5713,7 @@
             <a:pPr algn="ctr"/>
             <a:r>
               <a:rPr lang="en-US" sz="8800" dirty="0" smtClean="0"/>
-              <a:t>Links</a:t>
+              <a:t>Images</a:t>
             </a:r>
           </a:p>
           <a:p>
@@ -5766,12 +5727,12 @@
               <a:t>&lt;</a:t>
             </a:r>
             <a:r>
-              <a:rPr lang="en-US" sz="5400" dirty="0">
+              <a:rPr lang="en-US" sz="5400" dirty="0" err="1" smtClean="0">
                 <a:solidFill>
                   <a:srgbClr val="00B0F0"/>
                 </a:solidFill>
               </a:rPr>
-              <a:t>a</a:t>
+              <a:t>img</a:t>
             </a:r>
             <a:r>
               <a:rPr lang="en-US" sz="5400" dirty="0" smtClean="0"/>
@@ -5783,35 +5744,23 @@
                   <a:srgbClr val="FFFF00"/>
                 </a:solidFill>
               </a:rPr>
-              <a:t>href</a:t>
+              <a:t>src</a:t>
             </a:r>
             <a:r>
               <a:rPr lang="en-US" sz="5400" dirty="0" smtClean="0"/>
               <a:t>=“</a:t>
             </a:r>
             <a:r>
-              <a:rPr lang="en-US" sz="5400" dirty="0" err="1" smtClean="0">
+              <a:rPr lang="en-US" sz="5400" dirty="0" smtClean="0">
                 <a:solidFill>
                   <a:srgbClr val="92D050"/>
                 </a:solidFill>
               </a:rPr>
-              <a:t>url</a:t>
+              <a:t>image_url.png</a:t>
             </a:r>
             <a:r>
               <a:rPr lang="en-US" sz="5400" dirty="0" smtClean="0"/>
-              <a:t>”&gt; Link Text &lt;/</a:t>
-            </a:r>
-            <a:r>
-              <a:rPr lang="en-US" sz="5400" dirty="0" smtClean="0">
-                <a:solidFill>
-                  <a:srgbClr val="00B0F0"/>
-                </a:solidFill>
-              </a:rPr>
-              <a:t>a</a:t>
-            </a:r>
-            <a:r>
-              <a:rPr lang="en-US" sz="5400" dirty="0" smtClean="0"/>
-              <a:t>&gt;</a:t>
+              <a:t>”&gt;</a:t>
             </a:r>
           </a:p>
           <a:p>
@@ -5823,7 +5772,7 @@
     </p:spTree>
     <p:extLst>
       <p:ext uri="{BB962C8B-B14F-4D97-AF65-F5344CB8AC3E}">
-        <p14:creationId xmlns:p14="http://schemas.microsoft.com/office/powerpoint/2010/main" val="2733091297"/>
+        <p14:creationId xmlns:p14="http://schemas.microsoft.com/office/powerpoint/2010/main" val="2842735257"/>
       </p:ext>
     </p:extLst>
   </p:cSld>
@@ -5865,8 +5814,8 @@
         </p:nvSpPr>
         <p:spPr>
           <a:xfrm>
-            <a:off x="762000" y="2438400"/>
-            <a:ext cx="7620000" cy="1862048"/>
+            <a:off x="297873" y="1676400"/>
+            <a:ext cx="8534400" cy="3385542"/>
           </a:xfrm>
           <a:prstGeom prst="rect">
             <a:avLst/>
@@ -5881,25 +5830,79 @@
           <a:p>
             <a:pPr algn="ctr"/>
             <a:r>
-              <a:rPr lang="en-US" sz="11500" dirty="0" smtClean="0">
+              <a:rPr lang="en-US" sz="8800" dirty="0" smtClean="0"/>
+              <a:t>Links</a:t>
+            </a:r>
+          </a:p>
+          <a:p>
+            <a:pPr algn="ctr"/>
+            <a:endParaRPr lang="en-US" sz="3600" dirty="0" smtClean="0"/>
+          </a:p>
+          <a:p>
+            <a:pPr algn="ctr"/>
+            <a:r>
+              <a:rPr lang="en-US" sz="5400" dirty="0" smtClean="0"/>
+              <a:t>&lt;</a:t>
+            </a:r>
+            <a:r>
+              <a:rPr lang="en-US" sz="5400" dirty="0">
+                <a:solidFill>
+                  <a:srgbClr val="00B0F0"/>
+                </a:solidFill>
+              </a:rPr>
+              <a:t>a</a:t>
+            </a:r>
+            <a:r>
+              <a:rPr lang="en-US" sz="5400" dirty="0" smtClean="0"/>
+              <a:t> </a:t>
+            </a:r>
+            <a:r>
+              <a:rPr lang="en-US" sz="5400" dirty="0" err="1" smtClean="0">
                 <a:solidFill>
                   <a:srgbClr val="FFFF00"/>
                 </a:solidFill>
               </a:rPr>
-              <a:t>DEMO</a:t>
-            </a:r>
-            <a:endParaRPr lang="en-US" sz="4800" dirty="0" smtClean="0">
-              <a:solidFill>
-                <a:srgbClr val="FFFF00"/>
-              </a:solidFill>
-            </a:endParaRPr>
+              <a:t>href</a:t>
+            </a:r>
+            <a:r>
+              <a:rPr lang="en-US" sz="5400" dirty="0" smtClean="0"/>
+              <a:t>=“</a:t>
+            </a:r>
+            <a:r>
+              <a:rPr lang="en-US" sz="5400" dirty="0" err="1" smtClean="0">
+                <a:solidFill>
+                  <a:srgbClr val="92D050"/>
+                </a:solidFill>
+              </a:rPr>
+              <a:t>url</a:t>
+            </a:r>
+            <a:r>
+              <a:rPr lang="en-US" sz="5400" dirty="0" smtClean="0"/>
+              <a:t>”&gt; Link Text &lt;/</a:t>
+            </a:r>
+            <a:r>
+              <a:rPr lang="en-US" sz="5400" dirty="0" smtClean="0">
+                <a:solidFill>
+                  <a:srgbClr val="00B0F0"/>
+                </a:solidFill>
+              </a:rPr>
+              <a:t>a</a:t>
+            </a:r>
+            <a:r>
+              <a:rPr lang="en-US" sz="5400" dirty="0" smtClean="0"/>
+              <a:t>&gt;</a:t>
+            </a:r>
+          </a:p>
+          <a:p>
+            <a:pPr algn="ctr"/>
+            <a:endParaRPr lang="en-US" sz="2800" dirty="0" smtClean="0"/>
           </a:p>
         </p:txBody>
       </p:sp>
     </p:spTree>
     <p:extLst>
       <p:ext uri="{BB962C8B-B14F-4D97-AF65-F5344CB8AC3E}">
-        <p14:creationId xmlns:p14="http://schemas.microsoft.com/office/powerpoint/2010/main" val="107984145"/>
+        <p14:creationId xmlns:p14="http://schemas.microsoft.com/office/powerpoint/2010/main" val="2733091297"/>
       </p:ext>
     </p:extLst>
   </p:cSld>
@@ -5941,8 +5944,8 @@
         </p:nvSpPr>
         <p:spPr>
           <a:xfrm>
-            <a:off x="762000" y="685800"/>
-            <a:ext cx="7620000" cy="5401479"/>
+            <a:off x="762000" y="2438400"/>
+            <a:ext cx="7620000" cy="1862048"/>
           </a:xfrm>
           <a:prstGeom prst="rect">
             <a:avLst/>
@@ -5959,36 +5962,14 @@
             <a:r>
               <a:rPr lang="en-US" sz="11500" dirty="0" smtClean="0">
                 <a:solidFill>
-                  <a:srgbClr val="00B0F0"/>
-                </a:solidFill>
-              </a:rPr>
-              <a:t>Recreate</a:t>
-            </a:r>
-          </a:p>
-          <a:p>
-            <a:pPr algn="ctr"/>
-            <a:r>
-              <a:rPr lang="en-US" sz="11500" dirty="0" smtClean="0">
-                <a:solidFill>
-                  <a:srgbClr val="00B0F0"/>
-                </a:solidFill>
-              </a:rPr>
-              <a:t>Web Page</a:t>
-            </a:r>
-          </a:p>
-          <a:p>
-            <a:pPr algn="ctr"/>
-            <a:r>
-              <a:rPr lang="en-US" sz="11500" dirty="0" smtClean="0">
-                <a:solidFill>
-                  <a:srgbClr val="00B0F0"/>
-                </a:solidFill>
-              </a:rPr>
-              <a:t>Activity</a:t>
+                  <a:srgbClr val="FFFF00"/>
+                </a:solidFill>
+              </a:rPr>
+              <a:t>DEMO</a:t>
             </a:r>
             <a:endParaRPr lang="en-US" sz="4800" dirty="0" smtClean="0">
               <a:solidFill>
-                <a:srgbClr val="00B0F0"/>
+                <a:srgbClr val="FFFF00"/>
               </a:solidFill>
             </a:endParaRPr>
           </a:p>
@@ -5997,7 +5978,7 @@
     </p:spTree>
     <p:extLst>
       <p:ext uri="{BB962C8B-B14F-4D97-AF65-F5344CB8AC3E}">
-        <p14:creationId xmlns:p14="http://schemas.microsoft.com/office/powerpoint/2010/main" val="123431513"/>
+        <p14:creationId xmlns:p14="http://schemas.microsoft.com/office/powerpoint/2010/main" val="107984145"/>
       </p:ext>
     </p:extLst>
   </p:cSld>
@@ -6039,8 +6020,8 @@
         </p:nvSpPr>
         <p:spPr>
           <a:xfrm>
-            <a:off x="381000" y="1981200"/>
-            <a:ext cx="8534400" cy="3046988"/>
+            <a:off x="762000" y="685800"/>
+            <a:ext cx="7620000" cy="5401479"/>
           </a:xfrm>
           <a:prstGeom prst="rect">
             <a:avLst/>
@@ -6055,35 +6036,47 @@
           <a:p>
             <a:pPr algn="ctr"/>
             <a:r>
-              <a:rPr lang="en-US" sz="9600" dirty="0" smtClean="0">
-                <a:solidFill>
-                  <a:schemeClr val="accent6">
-                    <a:lumMod val="75000"/>
-                  </a:schemeClr>
-                </a:solidFill>
-              </a:rPr>
-              <a:t>INTERMEDIATE</a:t>
-            </a:r>
-          </a:p>
-          <a:p>
-            <a:pPr algn="ctr"/>
-            <a:r>
-              <a:rPr lang="en-US" sz="9600" dirty="0" smtClean="0">
-                <a:solidFill>
-                  <a:schemeClr val="accent6">
-                    <a:lumMod val="75000"/>
-                  </a:schemeClr>
-                </a:solidFill>
-              </a:rPr>
-              <a:t>HTML</a:t>
-            </a:r>
+              <a:rPr lang="en-US" sz="11500" dirty="0" smtClean="0">
+                <a:solidFill>
+                  <a:srgbClr val="00B0F0"/>
+                </a:solidFill>
+              </a:rPr>
+              <a:t>Recreate</a:t>
+            </a:r>
+          </a:p>
+          <a:p>
+            <a:pPr algn="ctr"/>
+            <a:r>
+              <a:rPr lang="en-US" sz="11500" dirty="0" smtClean="0">
+                <a:solidFill>
+                  <a:srgbClr val="00B0F0"/>
+                </a:solidFill>
+              </a:rPr>
+              <a:t>Web Page</a:t>
+            </a:r>
+          </a:p>
+          <a:p>
+            <a:pPr algn="ctr"/>
+            <a:r>
+              <a:rPr lang="en-US" sz="11500" dirty="0" smtClean="0">
+                <a:solidFill>
+                  <a:srgbClr val="00B0F0"/>
+                </a:solidFill>
+              </a:rPr>
+              <a:t>Activity</a:t>
+            </a:r>
+            <a:endParaRPr lang="en-US" sz="4800" dirty="0" smtClean="0">
+              <a:solidFill>
+                <a:srgbClr val="00B0F0"/>
+              </a:solidFill>
+            </a:endParaRPr>
           </a:p>
         </p:txBody>
       </p:sp>
     </p:spTree>
     <p:extLst>
       <p:ext uri="{BB962C8B-B14F-4D97-AF65-F5344CB8AC3E}">
-        <p14:creationId xmlns:p14="http://schemas.microsoft.com/office/powerpoint/2010/main" val="4206908721"/>
+        <p14:creationId xmlns:p14="http://schemas.microsoft.com/office/powerpoint/2010/main" val="123431513"/>
       </p:ext>
     </p:extLst>
   </p:cSld>
@@ -6125,8 +6118,8 @@
         </p:nvSpPr>
         <p:spPr>
           <a:xfrm>
-            <a:off x="304800" y="1981200"/>
-            <a:ext cx="8534400" cy="3108543"/>
+            <a:off x="381000" y="1981200"/>
+            <a:ext cx="8534400" cy="3046988"/>
           </a:xfrm>
           <a:prstGeom prst="rect">
             <a:avLst/>
@@ -6141,63 +6134,35 @@
           <a:p>
             <a:pPr algn="ctr"/>
             <a:r>
-              <a:rPr lang="en-US" sz="8800" dirty="0" smtClean="0"/>
-              <a:t>Tables</a:t>
-            </a:r>
-          </a:p>
-          <a:p>
-            <a:pPr algn="ctr"/>
-            <a:r>
-              <a:rPr lang="en-US" sz="5400" dirty="0" smtClean="0">
-                <a:solidFill>
-                  <a:srgbClr val="00B0F0"/>
-                </a:solidFill>
-              </a:rPr>
-              <a:t>&lt;table&gt;&lt;</a:t>
-            </a:r>
-            <a:r>
-              <a:rPr lang="en-US" sz="5400" dirty="0" err="1" smtClean="0">
-                <a:solidFill>
-                  <a:srgbClr val="00B0F0"/>
-                </a:solidFill>
-              </a:rPr>
-              <a:t>tr</a:t>
-            </a:r>
-            <a:r>
-              <a:rPr lang="en-US" sz="5400" dirty="0" smtClean="0">
-                <a:solidFill>
-                  <a:srgbClr val="00B0F0"/>
-                </a:solidFill>
-              </a:rPr>
-              <a:t>&gt; … &lt;/</a:t>
-            </a:r>
-            <a:r>
-              <a:rPr lang="en-US" sz="5400" dirty="0" err="1" smtClean="0">
-                <a:solidFill>
-                  <a:srgbClr val="00B0F0"/>
-                </a:solidFill>
-              </a:rPr>
-              <a:t>tr</a:t>
-            </a:r>
-            <a:r>
-              <a:rPr lang="en-US" sz="5400" dirty="0" smtClean="0">
-                <a:solidFill>
-                  <a:srgbClr val="00B0F0"/>
-                </a:solidFill>
-              </a:rPr>
-              <a:t>&gt;&lt;/table&gt;</a:t>
-            </a:r>
-          </a:p>
-          <a:p>
-            <a:pPr algn="ctr"/>
-            <a:endParaRPr lang="en-US" sz="5400" dirty="0" smtClean="0"/>
+              <a:rPr lang="en-US" sz="9600" dirty="0" smtClean="0">
+                <a:solidFill>
+                  <a:schemeClr val="accent6">
+                    <a:lumMod val="75000"/>
+                  </a:schemeClr>
+                </a:solidFill>
+              </a:rPr>
+              <a:t>INTERMEDIATE</a:t>
+            </a:r>
+          </a:p>
+          <a:p>
+            <a:pPr algn="ctr"/>
+            <a:r>
+              <a:rPr lang="en-US" sz="9600" dirty="0" smtClean="0">
+                <a:solidFill>
+                  <a:schemeClr val="accent6">
+                    <a:lumMod val="75000"/>
+                  </a:schemeClr>
+                </a:solidFill>
+              </a:rPr>
+              <a:t>HTML</a:t>
+            </a:r>
           </a:p>
         </p:txBody>
       </p:sp>
     </p:spTree>
     <p:extLst>
       <p:ext uri="{BB962C8B-B14F-4D97-AF65-F5344CB8AC3E}">
-        <p14:creationId xmlns:p14="http://schemas.microsoft.com/office/powerpoint/2010/main" val="1344157387"/>
+        <p14:creationId xmlns:p14="http://schemas.microsoft.com/office/powerpoint/2010/main" val="4206908721"/>
       </p:ext>
     </p:extLst>
   </p:cSld>
@@ -6239,8 +6204,8 @@
         </p:nvSpPr>
         <p:spPr>
           <a:xfrm>
-            <a:off x="762000" y="2438400"/>
-            <a:ext cx="7620000" cy="1862048"/>
+            <a:off x="304800" y="1981200"/>
+            <a:ext cx="8534400" cy="3108543"/>
           </a:xfrm>
           <a:prstGeom prst="rect">
             <a:avLst/>
@@ -6255,25 +6220,63 @@
           <a:p>
             <a:pPr algn="ctr"/>
             <a:r>
-              <a:rPr lang="en-US" sz="11500" dirty="0" smtClean="0">
-                <a:solidFill>
-                  <a:srgbClr val="FFFF00"/>
-                </a:solidFill>
-              </a:rPr>
-              <a:t>DEMO</a:t>
-            </a:r>
-            <a:endParaRPr lang="en-US" sz="4800" dirty="0" smtClean="0">
-              <a:solidFill>
-                <a:srgbClr val="FFFF00"/>
-              </a:solidFill>
-            </a:endParaRPr>
+              <a:rPr lang="en-US" sz="8800" dirty="0" smtClean="0"/>
+              <a:t>Tables</a:t>
+            </a:r>
+          </a:p>
+          <a:p>
+            <a:pPr algn="ctr"/>
+            <a:r>
+              <a:rPr lang="en-US" sz="5400" dirty="0" smtClean="0">
+                <a:solidFill>
+                  <a:srgbClr val="00B0F0"/>
+                </a:solidFill>
+              </a:rPr>
+              <a:t>&lt;table&gt;&lt;</a:t>
+            </a:r>
+            <a:r>
+              <a:rPr lang="en-US" sz="5400" dirty="0" err="1" smtClean="0">
+                <a:solidFill>
+                  <a:srgbClr val="00B0F0"/>
+                </a:solidFill>
+              </a:rPr>
+              <a:t>tr</a:t>
+            </a:r>
+            <a:r>
+              <a:rPr lang="en-US" sz="5400" dirty="0" smtClean="0">
+                <a:solidFill>
+                  <a:srgbClr val="00B0F0"/>
+                </a:solidFill>
+              </a:rPr>
+              <a:t>&gt; … &lt;/</a:t>
+            </a:r>
+            <a:r>
+              <a:rPr lang="en-US" sz="5400" dirty="0" err="1" smtClean="0">
+                <a:solidFill>
+                  <a:srgbClr val="00B0F0"/>
+                </a:solidFill>
+              </a:rPr>
+              <a:t>tr</a:t>
+            </a:r>
+            <a:r>
+              <a:rPr lang="en-US" sz="5400" dirty="0" smtClean="0">
+                <a:solidFill>
+                  <a:srgbClr val="00B0F0"/>
+                </a:solidFill>
+              </a:rPr>
+              <a:t>&gt;&lt;/table&gt;</a:t>
+            </a:r>
+          </a:p>
+          <a:p>
+            <a:pPr algn="ctr"/>
+            <a:endParaRPr lang="en-US" sz="5400" dirty="0" smtClean="0"/>
           </a:p>
         </p:txBody>
       </p:sp>
     </p:spTree>
     <p:extLst>
       <p:ext uri="{BB962C8B-B14F-4D97-AF65-F5344CB8AC3E}">
-        <p14:creationId xmlns:p14="http://schemas.microsoft.com/office/powerpoint/2010/main" val="3235013190"/>
+        <p14:creationId xmlns:p14="http://schemas.microsoft.com/office/powerpoint/2010/main" val="1344157387"/>
       </p:ext>
     </p:extLst>
   </p:cSld>
@@ -6315,8 +6318,8 @@
         </p:nvSpPr>
         <p:spPr>
           <a:xfrm>
-            <a:off x="685800" y="1600200"/>
-            <a:ext cx="7620000" cy="3631763"/>
+            <a:off x="762000" y="2438400"/>
+            <a:ext cx="7620000" cy="1862048"/>
           </a:xfrm>
           <a:prstGeom prst="rect">
             <a:avLst/>
@@ -6333,25 +6336,14 @@
             <a:r>
               <a:rPr lang="en-US" sz="11500" dirty="0" smtClean="0">
                 <a:solidFill>
-                  <a:srgbClr val="00B0F0"/>
-                </a:solidFill>
-              </a:rPr>
-              <a:t>Table</a:t>
-            </a:r>
-          </a:p>
-          <a:p>
-            <a:pPr algn="ctr"/>
-            <a:r>
-              <a:rPr lang="en-US" sz="11500" dirty="0" smtClean="0">
-                <a:solidFill>
-                  <a:srgbClr val="00B0F0"/>
-                </a:solidFill>
-              </a:rPr>
-              <a:t>Activity</a:t>
+                  <a:srgbClr val="FFFF00"/>
+                </a:solidFill>
+              </a:rPr>
+              <a:t>DEMO</a:t>
             </a:r>
             <a:endParaRPr lang="en-US" sz="4800" dirty="0" smtClean="0">
               <a:solidFill>
-                <a:srgbClr val="00B0F0"/>
+                <a:srgbClr val="FFFF00"/>
               </a:solidFill>
             </a:endParaRPr>
           </a:p>
@@ -6360,7 +6352,7 @@
     </p:spTree>
     <p:extLst>
       <p:ext uri="{BB962C8B-B14F-4D97-AF65-F5344CB8AC3E}">
-        <p14:creationId xmlns:p14="http://schemas.microsoft.com/office/powerpoint/2010/main" val="2321597315"/>
+        <p14:creationId xmlns:p14="http://schemas.microsoft.com/office/powerpoint/2010/main" val="3235013190"/>
       </p:ext>
     </p:extLst>
   </p:cSld>
@@ -6402,8 +6394,8 @@
         </p:nvSpPr>
         <p:spPr>
           <a:xfrm>
-            <a:off x="304800" y="1173063"/>
-            <a:ext cx="8534400" cy="3939540"/>
+            <a:off x="685800" y="1600200"/>
+            <a:ext cx="7620000" cy="3631763"/>
           </a:xfrm>
           <a:prstGeom prst="rect">
             <a:avLst/>
@@ -6418,49 +6410,36 @@
           <a:p>
             <a:pPr algn="ctr"/>
             <a:r>
-              <a:rPr lang="en-US" sz="8800" dirty="0" smtClean="0"/>
-              <a:t>Forms</a:t>
-            </a:r>
-          </a:p>
-          <a:p>
-            <a:pPr algn="ctr"/>
-            <a:r>
-              <a:rPr lang="en-US" sz="5400" dirty="0" smtClean="0">
+              <a:rPr lang="en-US" sz="11500" dirty="0" smtClean="0">
                 <a:solidFill>
                   <a:srgbClr val="00B0F0"/>
                 </a:solidFill>
               </a:rPr>
-              <a:t>&lt;form&gt;…&lt;/form&gt;</a:t>
-            </a:r>
-          </a:p>
-          <a:p>
-            <a:pPr algn="ctr"/>
-            <a:r>
-              <a:rPr lang="en-US" sz="5400" dirty="0" smtClean="0">
+              <a:t>Table</a:t>
+            </a:r>
+          </a:p>
+          <a:p>
+            <a:pPr algn="ctr"/>
+            <a:r>
+              <a:rPr lang="en-US" sz="11500" dirty="0" smtClean="0">
                 <a:solidFill>
                   <a:srgbClr val="00B0F0"/>
                 </a:solidFill>
               </a:rPr>
-              <a:t>&lt;input&gt;</a:t>
-            </a:r>
-          </a:p>
-          <a:p>
-            <a:pPr algn="ctr"/>
-            <a:r>
-              <a:rPr lang="en-US" sz="5400" dirty="0" smtClean="0">
-                <a:solidFill>
-                  <a:srgbClr val="00B0F0"/>
-                </a:solidFill>
-              </a:rPr>
-              <a:t>&lt;label&gt; … &lt;/label&gt;</a:t>
-            </a:r>
+              <a:t>Activity</a:t>
+            </a:r>
+            <a:endParaRPr lang="en-US" sz="4800" dirty="0" smtClean="0">
+              <a:solidFill>
+                <a:srgbClr val="00B0F0"/>
+              </a:solidFill>
+            </a:endParaRPr>
           </a:p>
         </p:txBody>
       </p:sp>
     </p:spTree>
     <p:extLst>
       <p:ext uri="{BB962C8B-B14F-4D97-AF65-F5344CB8AC3E}">
-        <p14:creationId xmlns:p14="http://schemas.microsoft.com/office/powerpoint/2010/main" val="3500469637"/>
+        <p14:creationId xmlns:p14="http://schemas.microsoft.com/office/powerpoint/2010/main" val="2321597315"/>
       </p:ext>
     </p:extLst>
   </p:cSld>
@@ -6550,6 +6529,106 @@
 </file>
 
 <file path=ppt/slides/slide40.xml><?xml version="1.0" encoding="utf-8"?>
+<p:sld xmlns:a="http://schemas.openxmlformats.org/drawingml/2006/main" xmlns:r="http://schemas.openxmlformats.org/officeDocument/2006/relationships" xmlns:p="http://schemas.openxmlformats.org/presentationml/2006/main">
+  <p:cSld>
+    <p:spTree>
+      <p:nvGrpSpPr>
+        <p:cNvPr id="1" name=""/>
+        <p:cNvGrpSpPr/>
+        <p:nvPr/>
+      </p:nvGrpSpPr>
+      <p:grpSpPr>
+        <a:xfrm>
+          <a:off x="0" y="0"/>
+          <a:ext cx="0" cy="0"/>
+          <a:chOff x="0" y="0"/>
+          <a:chExt cx="0" cy="0"/>
+        </a:xfrm>
+      </p:grpSpPr>
+      <p:sp>
+        <p:nvSpPr>
+          <p:cNvPr id="4" name="TextBox 3"/>
+          <p:cNvSpPr txBox="1"/>
+          <p:nvPr/>
+        </p:nvSpPr>
+        <p:spPr>
+          <a:xfrm>
+            <a:off x="304800" y="1173063"/>
+            <a:ext cx="8534400" cy="3939540"/>
+          </a:xfrm>
+          <a:prstGeom prst="rect">
+            <a:avLst/>
+          </a:prstGeom>
+          <a:noFill/>
+        </p:spPr>
+        <p:txBody>
+          <a:bodyPr wrap="square" rtlCol="0">
+            <a:spAutoFit/>
+          </a:bodyPr>
+          <a:lstStyle/>
+          <a:p>
+            <a:pPr algn="ctr"/>
+            <a:r>
+              <a:rPr lang="en-US" sz="8800" dirty="0" smtClean="0"/>
+              <a:t>Forms</a:t>
+            </a:r>
+          </a:p>
+          <a:p>
+            <a:pPr algn="ctr"/>
+            <a:r>
+              <a:rPr lang="en-US" sz="5400" dirty="0" smtClean="0">
+                <a:solidFill>
+                  <a:srgbClr val="00B0F0"/>
+                </a:solidFill>
+              </a:rPr>
+              <a:t>&lt;form&gt;…&lt;/form&gt;</a:t>
+            </a:r>
+          </a:p>
+          <a:p>
+            <a:pPr algn="ctr"/>
+            <a:r>
+              <a:rPr lang="en-US" sz="5400" dirty="0" smtClean="0">
+                <a:solidFill>
+                  <a:srgbClr val="00B0F0"/>
+                </a:solidFill>
+              </a:rPr>
+              <a:t>&lt;input&gt;</a:t>
+            </a:r>
+          </a:p>
+          <a:p>
+            <a:pPr algn="ctr"/>
+            <a:r>
+              <a:rPr lang="en-US" sz="5400" dirty="0" smtClean="0">
+                <a:solidFill>
+                  <a:srgbClr val="00B0F0"/>
+                </a:solidFill>
+              </a:rPr>
+              <a:t>&lt;label&gt; … &lt;/label&gt;</a:t>
+            </a:r>
+          </a:p>
+        </p:txBody>
+      </p:sp>
+    </p:spTree>
+    <p:extLst>
+      <p:ext uri="{BB962C8B-B14F-4D97-AF65-F5344CB8AC3E}">
+        <p14:creationId xmlns:p14="http://schemas.microsoft.com/office/powerpoint/2010/main" val="3500469637"/>
+      </p:ext>
+    </p:extLst>
+  </p:cSld>
+  <p:clrMapOvr>
+    <a:masterClrMapping/>
+  </p:clrMapOvr>
+  <p:timing>
+    <p:tnLst>
+      <p:par>
+        <p:cTn id="1" dur="indefinite" restart="never" nodeType="tmRoot"/>
+      </p:par>
+    </p:tnLst>
+  </p:timing>
+</p:sld>
+</file>
+
+<file path=ppt/slides/slide41.xml><?xml version="1.0" encoding="utf-8"?>
 <p:sld xmlns:a="http://schemas.openxmlformats.org/drawingml/2006/main" xmlns:r="http://schemas.openxmlformats.org/officeDocument/2006/relationships" xmlns:p="http://schemas.openxmlformats.org/presentationml/2006/main">
   <p:cSld>
     <p:spTree>
@@ -6627,123 +6706,6 @@
 </p:sld>
 </file>
 
-<file path=ppt/slides/slide41.xml><?xml version="1.0" encoding="utf-8"?>
-<p:sld xmlns:a="http://schemas.openxmlformats.org/drawingml/2006/main" xmlns:r="http://schemas.openxmlformats.org/officeDocument/2006/relationships" xmlns:p="http://schemas.openxmlformats.org/presentationml/2006/main">
-  <p:cSld>
-    <p:spTree>
-      <p:nvGrpSpPr>
-        <p:cNvPr id="1" name=""/>
-        <p:cNvGrpSpPr/>
-        <p:nvPr/>
-      </p:nvGrpSpPr>
-      <p:grpSpPr>
-        <a:xfrm>
-          <a:off x="0" y="0"/>
-          <a:ext cx="0" cy="0"/>
-          <a:chOff x="0" y="0"/>
-          <a:chExt cx="0" cy="0"/>
-        </a:xfrm>
-      </p:grpSpPr>
-      <p:sp>
-        <p:nvSpPr>
-          <p:cNvPr id="4" name="TextBox 3"/>
-          <p:cNvSpPr txBox="1"/>
-          <p:nvPr/>
-        </p:nvSpPr>
-        <p:spPr>
-          <a:xfrm>
-            <a:off x="304800" y="1639193"/>
-            <a:ext cx="8534400" cy="3847207"/>
-          </a:xfrm>
-          <a:prstGeom prst="rect">
-            <a:avLst/>
-          </a:prstGeom>
-          <a:noFill/>
-        </p:spPr>
-        <p:txBody>
-          <a:bodyPr wrap="square" rtlCol="0">
-            <a:spAutoFit/>
-          </a:bodyPr>
-          <a:lstStyle/>
-          <a:p>
-            <a:pPr algn="ctr"/>
-            <a:r>
-              <a:rPr lang="en-US" sz="8800" dirty="0" smtClean="0"/>
-              <a:t>The </a:t>
-            </a:r>
-            <a:r>
-              <a:rPr lang="en-US" sz="8800" dirty="0" smtClean="0">
-                <a:solidFill>
-                  <a:srgbClr val="00B0F0"/>
-                </a:solidFill>
-              </a:rPr>
-              <a:t>&lt;input&gt; </a:t>
-            </a:r>
-            <a:r>
-              <a:rPr lang="en-US" sz="8800" dirty="0" smtClean="0"/>
-              <a:t>tag</a:t>
-            </a:r>
-          </a:p>
-          <a:p>
-            <a:pPr algn="ctr"/>
-            <a:r>
-              <a:rPr lang="en-US" sz="5400" dirty="0">
-                <a:solidFill>
-                  <a:srgbClr val="FFFF00"/>
-                </a:solidFill>
-              </a:rPr>
-              <a:t>b</a:t>
-            </a:r>
-            <a:r>
-              <a:rPr lang="en-US" sz="5400" dirty="0" smtClean="0">
-                <a:solidFill>
-                  <a:srgbClr val="FFFF00"/>
-                </a:solidFill>
-              </a:rPr>
-              <a:t>utton, text, radio, </a:t>
-            </a:r>
-          </a:p>
-          <a:p>
-            <a:pPr algn="ctr"/>
-            <a:r>
-              <a:rPr lang="en-US" sz="5400" dirty="0" smtClean="0">
-                <a:solidFill>
-                  <a:srgbClr val="FFFF00"/>
-                </a:solidFill>
-              </a:rPr>
-              <a:t>checkbox, </a:t>
-            </a:r>
-            <a:r>
-              <a:rPr lang="en-US" sz="4800" dirty="0" smtClean="0">
-                <a:solidFill>
-                  <a:srgbClr val="FFFF00"/>
-                </a:solidFill>
-              </a:rPr>
-              <a:t>submit, password, file, hidden, reset</a:t>
-            </a:r>
-          </a:p>
-        </p:txBody>
-      </p:sp>
-    </p:spTree>
-    <p:extLst>
-      <p:ext uri="{BB962C8B-B14F-4D97-AF65-F5344CB8AC3E}">
-        <p14:creationId xmlns:p14="http://schemas.microsoft.com/office/powerpoint/2010/main" val="3245615557"/>
-      </p:ext>
-    </p:extLst>
-  </p:cSld>
-  <p:clrMapOvr>
-    <a:masterClrMapping/>
-  </p:clrMapOvr>
-  <p:timing>
-    <p:tnLst>
-      <p:par>
-        <p:cTn id="1" dur="indefinite" restart="never" nodeType="tmRoot"/>
-      </p:par>
-    </p:tnLst>
-  </p:timing>
-</p:sld>
-</file>
-
 <file path=ppt/slides/slide42.xml><?xml version="1.0" encoding="utf-8"?>
 <p:sld xmlns:a="http://schemas.openxmlformats.org/drawingml/2006/main" xmlns:r="http://schemas.openxmlformats.org/officeDocument/2006/relationships" xmlns:p="http://schemas.openxmlformats.org/presentationml/2006/main">
   <p:cSld>
@@ -6769,8 +6731,8 @@
         </p:nvSpPr>
         <p:spPr>
           <a:xfrm>
-            <a:off x="304800" y="1066800"/>
-            <a:ext cx="8534400" cy="4770537"/>
+            <a:off x="304800" y="1639193"/>
+            <a:ext cx="8534400" cy="3847207"/>
           </a:xfrm>
           <a:prstGeom prst="rect">
             <a:avLst/>
@@ -6785,84 +6747,58 @@
           <a:p>
             <a:pPr algn="ctr"/>
             <a:r>
-              <a:rPr lang="en-US" sz="8000" dirty="0" smtClean="0"/>
-              <a:t>Notable Additions</a:t>
-            </a:r>
-          </a:p>
-          <a:p>
-            <a:pPr algn="ctr"/>
+              <a:rPr lang="en-US" sz="8800" dirty="0" smtClean="0"/>
+              <a:t>The </a:t>
+            </a:r>
+            <a:r>
+              <a:rPr lang="en-US" sz="8800" dirty="0" smtClean="0">
+                <a:solidFill>
+                  <a:srgbClr val="00B0F0"/>
+                </a:solidFill>
+              </a:rPr>
+              <a:t>&lt;input&gt; </a:t>
+            </a:r>
+            <a:r>
+              <a:rPr lang="en-US" sz="8800" dirty="0" smtClean="0"/>
+              <a:t>tag</a:t>
+            </a:r>
+          </a:p>
+          <a:p>
+            <a:pPr algn="ctr"/>
+            <a:r>
+              <a:rPr lang="en-US" sz="5400" dirty="0">
+                <a:solidFill>
+                  <a:srgbClr val="FFFF00"/>
+                </a:solidFill>
+              </a:rPr>
+              <a:t>b</a:t>
+            </a:r>
             <a:r>
               <a:rPr lang="en-US" sz="5400" dirty="0" smtClean="0">
                 <a:solidFill>
                   <a:srgbClr val="FFFF00"/>
                 </a:solidFill>
               </a:rPr>
-              <a:t>email, </a:t>
-            </a:r>
-            <a:r>
-              <a:rPr lang="en-US" sz="5400" dirty="0" err="1" smtClean="0">
+              <a:t>utton, text, radio, </a:t>
+            </a:r>
+          </a:p>
+          <a:p>
+            <a:pPr algn="ctr"/>
+            <a:r>
+              <a:rPr lang="en-US" sz="5400" dirty="0" smtClean="0">
                 <a:solidFill>
                   <a:srgbClr val="FFFF00"/>
                 </a:solidFill>
               </a:rPr>
-              <a:t>url</a:t>
-            </a:r>
-            <a:r>
-              <a:rPr lang="en-US" sz="5400" dirty="0" smtClean="0">
+              <a:t>checkbox, </a:t>
+            </a:r>
+            <a:r>
+              <a:rPr lang="en-US" sz="4800" dirty="0" smtClean="0">
                 <a:solidFill>
                   <a:srgbClr val="FFFF00"/>
                 </a:solidFill>
               </a:rPr>
-              <a:t>, color, </a:t>
-            </a:r>
-          </a:p>
-          <a:p>
-            <a:pPr algn="ctr"/>
-            <a:r>
-              <a:rPr lang="en-US" sz="5400" dirty="0" smtClean="0">
-                <a:solidFill>
-                  <a:srgbClr val="FFFF00"/>
-                </a:solidFill>
-              </a:rPr>
-              <a:t>date, </a:t>
-            </a:r>
-            <a:r>
-              <a:rPr lang="en-US" sz="5400" dirty="0" err="1" smtClean="0">
-                <a:solidFill>
-                  <a:srgbClr val="FFFF00"/>
-                </a:solidFill>
-              </a:rPr>
-              <a:t>datetime</a:t>
-            </a:r>
-            <a:r>
-              <a:rPr lang="en-US" sz="5400" dirty="0" smtClean="0">
-                <a:solidFill>
-                  <a:srgbClr val="FFFF00"/>
-                </a:solidFill>
-              </a:rPr>
-              <a:t>,</a:t>
-            </a:r>
-          </a:p>
-          <a:p>
-            <a:pPr algn="ctr"/>
-            <a:r>
-              <a:rPr lang="en-US" sz="5400" dirty="0" smtClean="0">
-                <a:solidFill>
-                  <a:srgbClr val="FFFF00"/>
-                </a:solidFill>
-              </a:rPr>
-              <a:t>time, month,</a:t>
-            </a:r>
-          </a:p>
-          <a:p>
-            <a:pPr algn="ctr"/>
-            <a:r>
-              <a:rPr lang="en-US" sz="5400" dirty="0" smtClean="0">
-                <a:solidFill>
-                  <a:srgbClr val="FFFF00"/>
-                </a:solidFill>
-              </a:rPr>
-              <a:t>number, range</a:t>
+              <a:t>submit, password, file, hidden, reset</a:t>
             </a:r>
           </a:p>
         </p:txBody>
@@ -6870,7 +6806,7 @@
     </p:spTree>
     <p:extLst>
       <p:ext uri="{BB962C8B-B14F-4D97-AF65-F5344CB8AC3E}">
-        <p14:creationId xmlns:p14="http://schemas.microsoft.com/office/powerpoint/2010/main" val="3107818693"/>
+        <p14:creationId xmlns:p14="http://schemas.microsoft.com/office/powerpoint/2010/main" val="3245615557"/>
       </p:ext>
     </p:extLst>
   </p:cSld>
@@ -6912,8 +6848,8 @@
         </p:nvSpPr>
         <p:spPr>
           <a:xfrm>
-            <a:off x="762000" y="2438400"/>
-            <a:ext cx="7620000" cy="1862048"/>
+            <a:off x="304800" y="1066800"/>
+            <a:ext cx="8534400" cy="4770537"/>
           </a:xfrm>
           <a:prstGeom prst="rect">
             <a:avLst/>
@@ -6928,25 +6864,92 @@
           <a:p>
             <a:pPr algn="ctr"/>
             <a:r>
-              <a:rPr lang="en-US" sz="11500" dirty="0" smtClean="0">
+              <a:rPr lang="en-US" sz="8000" dirty="0" smtClean="0"/>
+              <a:t>Notable Additions</a:t>
+            </a:r>
+          </a:p>
+          <a:p>
+            <a:pPr algn="ctr"/>
+            <a:r>
+              <a:rPr lang="en-US" sz="5400" dirty="0" smtClean="0">
                 <a:solidFill>
                   <a:srgbClr val="FFFF00"/>
                 </a:solidFill>
               </a:rPr>
-              <a:t>DEMO</a:t>
-            </a:r>
-            <a:endParaRPr lang="en-US" sz="4800" dirty="0" smtClean="0">
-              <a:solidFill>
-                <a:srgbClr val="FFFF00"/>
-              </a:solidFill>
-            </a:endParaRPr>
+              <a:t>email, </a:t>
+            </a:r>
+            <a:r>
+              <a:rPr lang="en-US" sz="5400" dirty="0" err="1" smtClean="0">
+                <a:solidFill>
+                  <a:srgbClr val="FFFF00"/>
+                </a:solidFill>
+              </a:rPr>
+              <a:t>url</a:t>
+            </a:r>
+            <a:r>
+              <a:rPr lang="en-US" sz="5400" dirty="0" smtClean="0">
+                <a:solidFill>
+                  <a:srgbClr val="FFFF00"/>
+                </a:solidFill>
+              </a:rPr>
+              <a:t>, color, </a:t>
+            </a:r>
+          </a:p>
+          <a:p>
+            <a:pPr algn="ctr"/>
+            <a:r>
+              <a:rPr lang="en-US" sz="5400" dirty="0" smtClean="0">
+                <a:solidFill>
+                  <a:srgbClr val="FFFF00"/>
+                </a:solidFill>
+              </a:rPr>
+              <a:t>date, </a:t>
+            </a:r>
+            <a:r>
+              <a:rPr lang="en-US" sz="5400" dirty="0" err="1" smtClean="0">
+                <a:solidFill>
+                  <a:srgbClr val="FFFF00"/>
+                </a:solidFill>
+              </a:rPr>
+              <a:t>datetime</a:t>
+            </a:r>
+            <a:r>
+              <a:rPr lang="en-US" sz="5400" dirty="0" smtClean="0">
+                <a:solidFill>
+                  <a:srgbClr val="FFFF00"/>
+                </a:solidFill>
+              </a:rPr>
+              <a:t>,</a:t>
+            </a:r>
+          </a:p>
+          <a:p>
+            <a:pPr algn="ctr"/>
+            <a:r>
+              <a:rPr lang="en-US" sz="5400" dirty="0" smtClean="0">
+                <a:solidFill>
+                  <a:srgbClr val="FFFF00"/>
+                </a:solidFill>
+              </a:rPr>
+              <a:t>time, month,</a:t>
+            </a:r>
+          </a:p>
+          <a:p>
+            <a:pPr algn="ctr"/>
+            <a:r>
+              <a:rPr lang="en-US" sz="5400" dirty="0" smtClean="0">
+                <a:solidFill>
+                  <a:srgbClr val="FFFF00"/>
+                </a:solidFill>
+              </a:rPr>
+              <a:t>number, range</a:t>
+            </a:r>
           </a:p>
         </p:txBody>
       </p:sp>
     </p:spTree>
     <p:extLst>
       <p:ext uri="{BB962C8B-B14F-4D97-AF65-F5344CB8AC3E}">
-        <p14:creationId xmlns:p14="http://schemas.microsoft.com/office/powerpoint/2010/main" val="372412916"/>
+        <p14:creationId xmlns:p14="http://schemas.microsoft.com/office/powerpoint/2010/main" val="3107818693"/>
       </p:ext>
     </p:extLst>
   </p:cSld>
@@ -6988,6 +6991,82 @@
         </p:nvSpPr>
         <p:spPr>
           <a:xfrm>
+            <a:off x="762000" y="2438400"/>
+            <a:ext cx="7620000" cy="1862048"/>
+          </a:xfrm>
+          <a:prstGeom prst="rect">
+            <a:avLst/>
+          </a:prstGeom>
+          <a:noFill/>
+        </p:spPr>
+        <p:txBody>
+          <a:bodyPr wrap="square" rtlCol="0">
+            <a:spAutoFit/>
+          </a:bodyPr>
+          <a:lstStyle/>
+          <a:p>
+            <a:pPr algn="ctr"/>
+            <a:r>
+              <a:rPr lang="en-US" sz="11500" dirty="0" smtClean="0">
+                <a:solidFill>
+                  <a:srgbClr val="FFFF00"/>
+                </a:solidFill>
+              </a:rPr>
+              <a:t>DEMO</a:t>
+            </a:r>
+            <a:endParaRPr lang="en-US" sz="4800" dirty="0" smtClean="0">
+              <a:solidFill>
+                <a:srgbClr val="FFFF00"/>
+              </a:solidFill>
+            </a:endParaRPr>
+          </a:p>
+        </p:txBody>
+      </p:sp>
+    </p:spTree>
+    <p:extLst>
+      <p:ext uri="{BB962C8B-B14F-4D97-AF65-F5344CB8AC3E}">
+        <p14:creationId xmlns:p14="http://schemas.microsoft.com/office/powerpoint/2010/main" val="372412916"/>
+      </p:ext>
+    </p:extLst>
+  </p:cSld>
+  <p:clrMapOvr>
+    <a:masterClrMapping/>
+  </p:clrMapOvr>
+  <p:timing>
+    <p:tnLst>
+      <p:par>
+        <p:cTn id="1" dur="indefinite" restart="never" nodeType="tmRoot"/>
+      </p:par>
+    </p:tnLst>
+  </p:timing>
+</p:sld>
+</file>
+
+<file path=ppt/slides/slide45.xml><?xml version="1.0" encoding="utf-8"?>
+<p:sld xmlns:a="http://schemas.openxmlformats.org/drawingml/2006/main" xmlns:r="http://schemas.openxmlformats.org/officeDocument/2006/relationships" xmlns:p="http://schemas.openxmlformats.org/presentationml/2006/main">
+  <p:cSld>
+    <p:spTree>
+      <p:nvGrpSpPr>
+        <p:cNvPr id="1" name=""/>
+        <p:cNvGrpSpPr/>
+        <p:nvPr/>
+      </p:nvGrpSpPr>
+      <p:grpSpPr>
+        <a:xfrm>
+          <a:off x="0" y="0"/>
+          <a:ext cx="0" cy="0"/>
+          <a:chOff x="0" y="0"/>
+          <a:chExt cx="0" cy="0"/>
+        </a:xfrm>
+      </p:grpSpPr>
+      <p:sp>
+        <p:nvSpPr>
+          <p:cNvPr id="4" name="TextBox 3"/>
+          <p:cNvSpPr txBox="1"/>
+          <p:nvPr/>
+        </p:nvSpPr>
+        <p:spPr>
+          <a:xfrm>
             <a:off x="304800" y="2744450"/>
             <a:ext cx="8534400" cy="1446550"/>
           </a:xfrm>
@@ -7042,7 +7121,7 @@
 </p:sld>
 </file>
 
-<file path=ppt/slides/slide45.xml><?xml version="1.0" encoding="utf-8"?>
+<file path=ppt/slides/slide46.xml><?xml version="1.0" encoding="utf-8"?>
 <p:sld xmlns:a="http://schemas.openxmlformats.org/drawingml/2006/main" xmlns:r="http://schemas.openxmlformats.org/officeDocument/2006/relationships" xmlns:p="http://schemas.openxmlformats.org/presentationml/2006/main">
   <p:cSld>
     <p:spTree>
